--- a/Slides/Lec-31-Linear-Regression.pptx
+++ b/Slides/Lec-31-Linear-Regression.pptx
@@ -6,10 +6,10 @@
     <p:sldMasterId id="2147483946" r:id="rId5"/>
   </p:sldMasterIdLst>
   <p:notesMasterIdLst>
-    <p:notesMasterId r:id="rId19"/>
+    <p:notesMasterId r:id="rId20"/>
   </p:notesMasterIdLst>
   <p:handoutMasterIdLst>
-    <p:handoutMasterId r:id="rId20"/>
+    <p:handoutMasterId r:id="rId21"/>
   </p:handoutMasterIdLst>
   <p:sldIdLst>
     <p:sldId id="256" r:id="rId6"/>
@@ -17,14 +17,15 @@
     <p:sldId id="261" r:id="rId8"/>
     <p:sldId id="262" r:id="rId9"/>
     <p:sldId id="259" r:id="rId10"/>
-    <p:sldId id="264" r:id="rId11"/>
-    <p:sldId id="265" r:id="rId12"/>
-    <p:sldId id="266" r:id="rId13"/>
-    <p:sldId id="267" r:id="rId14"/>
-    <p:sldId id="268" r:id="rId15"/>
-    <p:sldId id="269" r:id="rId16"/>
-    <p:sldId id="270" r:id="rId17"/>
-    <p:sldId id="263" r:id="rId18"/>
+    <p:sldId id="271" r:id="rId11"/>
+    <p:sldId id="264" r:id="rId12"/>
+    <p:sldId id="265" r:id="rId13"/>
+    <p:sldId id="266" r:id="rId14"/>
+    <p:sldId id="267" r:id="rId15"/>
+    <p:sldId id="268" r:id="rId16"/>
+    <p:sldId id="269" r:id="rId17"/>
+    <p:sldId id="270" r:id="rId18"/>
+    <p:sldId id="263" r:id="rId19"/>
   </p:sldIdLst>
   <p:sldSz cx="12188825" cy="6858000"/>
   <p:notesSz cx="7010400" cy="9296400"/>
@@ -156,12 +157,12 @@
   <p:extLst>
     <p:ext uri="{EFAFB233-063F-42B5-8137-9DF3F51BA10A}">
       <p15:sldGuideLst xmlns:p15="http://schemas.microsoft.com/office/powerpoint/2012/main">
-        <p15:guide id="1" orient="horz" pos="4173">
+        <p15:guide id="1" orient="horz" pos="4248" userDrawn="1">
           <p15:clr>
             <a:srgbClr val="A4A3A4"/>
           </p15:clr>
         </p15:guide>
-        <p15:guide id="2" pos="7412">
+        <p15:guide id="2" pos="7535" userDrawn="1">
           <p15:clr>
             <a:srgbClr val="A4A3A4"/>
           </p15:clr>
@@ -7210,6 +7211,714 @@
           <p:cNvPr id="2" name="Title 1">
             <a:extLst>
               <a:ext uri="{FF2B5EF4-FFF2-40B4-BE49-F238E27FC236}">
+                <a16:creationId xmlns:a16="http://schemas.microsoft.com/office/drawing/2014/main" id="{F3D800DB-7733-094E-A207-47AAEE413124}"/>
+              </a:ext>
+            </a:extLst>
+          </p:cNvPr>
+          <p:cNvSpPr>
+            <a:spLocks noGrp="1"/>
+          </p:cNvSpPr>
+          <p:nvPr>
+            <p:ph type="title"/>
+          </p:nvPr>
+        </p:nvSpPr>
+        <p:spPr>
+          <a:xfrm>
+            <a:off x="344288" y="320040"/>
+            <a:ext cx="11422261" cy="511166"/>
+          </a:xfrm>
+        </p:spPr>
+        <p:txBody>
+          <a:bodyPr/>
+          <a:lstStyle/>
+          <a:p>
+            <a:r>
+              <a:rPr lang="en-US" dirty="0"/>
+              <a:t>Cost function (learn from model)</a:t>
+            </a:r>
+          </a:p>
+        </p:txBody>
+      </p:sp>
+      <p:sp>
+        <p:nvSpPr>
+          <p:cNvPr id="5" name="TextBox 4">
+            <a:extLst>
+              <a:ext uri="{FF2B5EF4-FFF2-40B4-BE49-F238E27FC236}">
+                <a16:creationId xmlns:a16="http://schemas.microsoft.com/office/drawing/2014/main" id="{A72B827F-AF8E-8244-AC41-4CC631599584}"/>
+              </a:ext>
+            </a:extLst>
+          </p:cNvPr>
+          <p:cNvSpPr txBox="1"/>
+          <p:nvPr/>
+        </p:nvSpPr>
+        <p:spPr>
+          <a:xfrm>
+            <a:off x="5633139" y="1613117"/>
+            <a:ext cx="5699423" cy="1815882"/>
+          </a:xfrm>
+          <a:prstGeom prst="rect">
+            <a:avLst/>
+          </a:prstGeom>
+        </p:spPr>
+        <p:style>
+          <a:lnRef idx="1">
+            <a:schemeClr val="accent2"/>
+          </a:lnRef>
+          <a:fillRef idx="2">
+            <a:schemeClr val="accent2"/>
+          </a:fillRef>
+          <a:effectRef idx="1">
+            <a:schemeClr val="accent2"/>
+          </a:effectRef>
+          <a:fontRef idx="minor">
+            <a:schemeClr val="dk1"/>
+          </a:fontRef>
+        </p:style>
+        <p:txBody>
+          <a:bodyPr wrap="square" rtlCol="0">
+            <a:spAutoFit/>
+          </a:bodyPr>
+          <a:lstStyle/>
+          <a:p>
+            <a:r>
+              <a:rPr lang="en-US" sz="1400" dirty="0">
+                <a:solidFill>
+                  <a:srgbClr val="0000FF"/>
+                </a:solidFill>
+                <a:latin typeface="Fira Code" panose="020B0509050000020004" pitchFamily="49" charset="0"/>
+              </a:rPr>
+              <a:t>from</a:t>
+            </a:r>
+            <a:r>
+              <a:rPr lang="en-US" sz="1400" dirty="0">
+                <a:solidFill>
+                  <a:srgbClr val="000000"/>
+                </a:solidFill>
+                <a:latin typeface="Fira Code" panose="020B0509050000020004" pitchFamily="49" charset="0"/>
+              </a:rPr>
+              <a:t> </a:t>
+            </a:r>
+            <a:r>
+              <a:rPr lang="en-US" sz="1400" dirty="0" err="1">
+                <a:solidFill>
+                  <a:srgbClr val="000000"/>
+                </a:solidFill>
+                <a:latin typeface="Fira Code" panose="020B0509050000020004" pitchFamily="49" charset="0"/>
+              </a:rPr>
+              <a:t>sklearn.linear_model</a:t>
+            </a:r>
+            <a:r>
+              <a:rPr lang="en-US" sz="1400" dirty="0">
+                <a:solidFill>
+                  <a:srgbClr val="000000"/>
+                </a:solidFill>
+                <a:latin typeface="Fira Code" panose="020B0509050000020004" pitchFamily="49" charset="0"/>
+              </a:rPr>
+              <a:t> </a:t>
+            </a:r>
+            <a:r>
+              <a:rPr lang="en-US" sz="1400" dirty="0">
+                <a:solidFill>
+                  <a:srgbClr val="0000FF"/>
+                </a:solidFill>
+                <a:latin typeface="Fira Code" panose="020B0509050000020004" pitchFamily="49" charset="0"/>
+              </a:rPr>
+              <a:t>import</a:t>
+            </a:r>
+            <a:r>
+              <a:rPr lang="en-US" sz="1400" dirty="0">
+                <a:solidFill>
+                  <a:srgbClr val="000000"/>
+                </a:solidFill>
+                <a:latin typeface="Fira Code" panose="020B0509050000020004" pitchFamily="49" charset="0"/>
+              </a:rPr>
+              <a:t> </a:t>
+            </a:r>
+            <a:r>
+              <a:rPr lang="en-US" sz="1400" dirty="0" err="1">
+                <a:solidFill>
+                  <a:srgbClr val="000000"/>
+                </a:solidFill>
+                <a:latin typeface="Fira Code" panose="020B0509050000020004" pitchFamily="49" charset="0"/>
+              </a:rPr>
+              <a:t>LinearRegression</a:t>
+            </a:r>
+            <a:endParaRPr lang="en-US" sz="1400" dirty="0">
+              <a:solidFill>
+                <a:srgbClr val="000000"/>
+              </a:solidFill>
+              <a:latin typeface="Fira Code" panose="020B0509050000020004" pitchFamily="49" charset="0"/>
+            </a:endParaRPr>
+          </a:p>
+          <a:p>
+            <a:r>
+              <a:rPr lang="en-US" sz="1400" dirty="0">
+                <a:solidFill>
+                  <a:srgbClr val="000000"/>
+                </a:solidFill>
+                <a:latin typeface="Fira Code" panose="020B0509050000020004" pitchFamily="49" charset="0"/>
+              </a:rPr>
+              <a:t>model = </a:t>
+            </a:r>
+            <a:r>
+              <a:rPr lang="en-US" sz="1400" dirty="0" err="1">
+                <a:solidFill>
+                  <a:srgbClr val="000000"/>
+                </a:solidFill>
+                <a:latin typeface="Fira Code" panose="020B0509050000020004" pitchFamily="49" charset="0"/>
+              </a:rPr>
+              <a:t>LinearRegression</a:t>
+            </a:r>
+            <a:r>
+              <a:rPr lang="en-US" sz="1400" dirty="0">
+                <a:solidFill>
+                  <a:srgbClr val="000000"/>
+                </a:solidFill>
+                <a:latin typeface="Fira Code" panose="020B0509050000020004" pitchFamily="49" charset="0"/>
+              </a:rPr>
+              <a:t>()</a:t>
+            </a:r>
+          </a:p>
+          <a:p>
+            <a:r>
+              <a:rPr lang="en-US" sz="1400" dirty="0" err="1">
+                <a:solidFill>
+                  <a:srgbClr val="000000"/>
+                </a:solidFill>
+                <a:latin typeface="Fira Code" panose="020B0509050000020004" pitchFamily="49" charset="0"/>
+              </a:rPr>
+              <a:t>model.fit</a:t>
+            </a:r>
+            <a:r>
+              <a:rPr lang="en-US" sz="1400" dirty="0">
+                <a:solidFill>
+                  <a:srgbClr val="000000"/>
+                </a:solidFill>
+                <a:latin typeface="Fira Code" panose="020B0509050000020004" pitchFamily="49" charset="0"/>
+              </a:rPr>
+              <a:t>(X[:,</a:t>
+            </a:r>
+            <a:r>
+              <a:rPr lang="en-US" sz="1400" dirty="0">
+                <a:solidFill>
+                  <a:srgbClr val="0000FF"/>
+                </a:solidFill>
+                <a:latin typeface="Fira Code" panose="020B0509050000020004" pitchFamily="49" charset="0"/>
+              </a:rPr>
+              <a:t>None</a:t>
+            </a:r>
+            <a:r>
+              <a:rPr lang="en-US" sz="1400" dirty="0">
+                <a:solidFill>
+                  <a:srgbClr val="000000"/>
+                </a:solidFill>
+                <a:latin typeface="Fira Code" panose="020B0509050000020004" pitchFamily="49" charset="0"/>
+              </a:rPr>
+              <a:t>],y)</a:t>
+            </a:r>
+          </a:p>
+          <a:p>
+            <a:r>
+              <a:rPr lang="en-US" sz="1400" dirty="0" err="1">
+                <a:solidFill>
+                  <a:srgbClr val="000000"/>
+                </a:solidFill>
+                <a:latin typeface="Fira Code" panose="020B0509050000020004" pitchFamily="49" charset="0"/>
+              </a:rPr>
+              <a:t>model.coef</a:t>
+            </a:r>
+            <a:r>
+              <a:rPr lang="en-US" sz="1400" dirty="0">
+                <a:solidFill>
+                  <a:srgbClr val="000000"/>
+                </a:solidFill>
+                <a:latin typeface="Fira Code" panose="020B0509050000020004" pitchFamily="49" charset="0"/>
+              </a:rPr>
+              <a:t>_</a:t>
+            </a:r>
+          </a:p>
+          <a:p>
+            <a:r>
+              <a:rPr lang="en-US" sz="1400" dirty="0" err="1">
+                <a:solidFill>
+                  <a:srgbClr val="000000"/>
+                </a:solidFill>
+                <a:latin typeface="Fira Code" panose="020B0509050000020004" pitchFamily="49" charset="0"/>
+              </a:rPr>
+              <a:t>model.intercept</a:t>
+            </a:r>
+            <a:r>
+              <a:rPr lang="en-US" sz="1400" dirty="0">
+                <a:solidFill>
+                  <a:srgbClr val="000000"/>
+                </a:solidFill>
+                <a:latin typeface="Fira Code" panose="020B0509050000020004" pitchFamily="49" charset="0"/>
+              </a:rPr>
+              <a:t>_</a:t>
+            </a:r>
+          </a:p>
+          <a:p>
+            <a:br>
+              <a:rPr lang="en-US" sz="1400" dirty="0">
+                <a:solidFill>
+                  <a:srgbClr val="000000"/>
+                </a:solidFill>
+                <a:latin typeface="Fira Code" panose="020B0509050000020004" pitchFamily="49" charset="0"/>
+              </a:rPr>
+            </a:br>
+            <a:r>
+              <a:rPr lang="en-US" sz="1400" dirty="0">
+                <a:solidFill>
+                  <a:srgbClr val="000000"/>
+                </a:solidFill>
+                <a:latin typeface="Fira Code" panose="020B0509050000020004" pitchFamily="49" charset="0"/>
+              </a:rPr>
+              <a:t>array([</a:t>
+            </a:r>
+            <a:r>
+              <a:rPr lang="en-US" sz="1400" dirty="0">
+                <a:solidFill>
+                  <a:srgbClr val="09885A"/>
+                </a:solidFill>
+                <a:latin typeface="Fira Code" panose="020B0509050000020004" pitchFamily="49" charset="0"/>
+              </a:rPr>
+              <a:t>2.05441762</a:t>
+            </a:r>
+            <a:r>
+              <a:rPr lang="en-US" sz="1400" dirty="0">
+                <a:solidFill>
+                  <a:srgbClr val="000000"/>
+                </a:solidFill>
+                <a:latin typeface="Fira Code" panose="020B0509050000020004" pitchFamily="49" charset="0"/>
+              </a:rPr>
+              <a:t>])</a:t>
+            </a:r>
+          </a:p>
+          <a:p>
+            <a:r>
+              <a:rPr lang="en-US" sz="1400" dirty="0">
+                <a:solidFill>
+                  <a:srgbClr val="09885A"/>
+                </a:solidFill>
+                <a:latin typeface="Fira Code" panose="020B0509050000020004" pitchFamily="49" charset="0"/>
+              </a:rPr>
+              <a:t>0.00284582889358731</a:t>
+            </a:r>
+          </a:p>
+        </p:txBody>
+      </p:sp>
+      <p:sp>
+        <p:nvSpPr>
+          <p:cNvPr id="7" name="TextBox 6">
+            <a:extLst>
+              <a:ext uri="{FF2B5EF4-FFF2-40B4-BE49-F238E27FC236}">
+                <a16:creationId xmlns:a16="http://schemas.microsoft.com/office/drawing/2014/main" id="{F9E47733-A1F7-A344-8898-EB40051E9AEA}"/>
+              </a:ext>
+            </a:extLst>
+          </p:cNvPr>
+          <p:cNvSpPr txBox="1"/>
+          <p:nvPr/>
+        </p:nvSpPr>
+        <p:spPr>
+          <a:xfrm>
+            <a:off x="5633139" y="3578816"/>
+            <a:ext cx="5699424" cy="1815882"/>
+          </a:xfrm>
+          <a:prstGeom prst="rect">
+            <a:avLst/>
+          </a:prstGeom>
+        </p:spPr>
+        <p:style>
+          <a:lnRef idx="1">
+            <a:schemeClr val="accent2"/>
+          </a:lnRef>
+          <a:fillRef idx="2">
+            <a:schemeClr val="accent2"/>
+          </a:fillRef>
+          <a:effectRef idx="1">
+            <a:schemeClr val="accent2"/>
+          </a:effectRef>
+          <a:fontRef idx="minor">
+            <a:schemeClr val="dk1"/>
+          </a:fontRef>
+        </p:style>
+        <p:txBody>
+          <a:bodyPr wrap="square" rtlCol="0">
+            <a:spAutoFit/>
+          </a:bodyPr>
+          <a:lstStyle/>
+          <a:p>
+            <a:r>
+              <a:rPr lang="en-US" sz="1400" dirty="0">
+                <a:solidFill>
+                  <a:srgbClr val="000000"/>
+                </a:solidFill>
+                <a:latin typeface="Fira Code" panose="020B0509050000020004" pitchFamily="49" charset="0"/>
+              </a:rPr>
+              <a:t>w1 = </a:t>
+            </a:r>
+            <a:r>
+              <a:rPr lang="en-US" sz="1400" dirty="0" err="1">
+                <a:solidFill>
+                  <a:srgbClr val="000000"/>
+                </a:solidFill>
+                <a:latin typeface="Fira Code" panose="020B0509050000020004" pitchFamily="49" charset="0"/>
+              </a:rPr>
+              <a:t>np.linspace</a:t>
+            </a:r>
+            <a:r>
+              <a:rPr lang="en-US" sz="1400" dirty="0">
+                <a:solidFill>
+                  <a:srgbClr val="000000"/>
+                </a:solidFill>
+                <a:latin typeface="Fira Code" panose="020B0509050000020004" pitchFamily="49" charset="0"/>
+              </a:rPr>
+              <a:t>(model.coef_-</a:t>
+            </a:r>
+            <a:r>
+              <a:rPr lang="en-US" sz="1400" dirty="0">
+                <a:solidFill>
+                  <a:srgbClr val="09885A"/>
+                </a:solidFill>
+                <a:latin typeface="Fira Code" panose="020B0509050000020004" pitchFamily="49" charset="0"/>
+              </a:rPr>
+              <a:t>2</a:t>
+            </a:r>
+            <a:r>
+              <a:rPr lang="en-US" sz="1400" dirty="0">
+                <a:solidFill>
+                  <a:srgbClr val="000000"/>
+                </a:solidFill>
+                <a:latin typeface="Fira Code" panose="020B0509050000020004" pitchFamily="49" charset="0"/>
+              </a:rPr>
+              <a:t>, model.coef_+</a:t>
+            </a:r>
+            <a:r>
+              <a:rPr lang="en-US" sz="1400" dirty="0">
+                <a:solidFill>
+                  <a:srgbClr val="09885A"/>
+                </a:solidFill>
+                <a:latin typeface="Fira Code" panose="020B0509050000020004" pitchFamily="49" charset="0"/>
+              </a:rPr>
+              <a:t>2</a:t>
+            </a:r>
+            <a:r>
+              <a:rPr lang="en-US" sz="1400" dirty="0">
+                <a:solidFill>
+                  <a:srgbClr val="000000"/>
+                </a:solidFill>
+                <a:latin typeface="Fira Code" panose="020B0509050000020004" pitchFamily="49" charset="0"/>
+              </a:rPr>
+              <a:t>, </a:t>
+            </a:r>
+            <a:r>
+              <a:rPr lang="en-US" sz="1400" dirty="0">
+                <a:solidFill>
+                  <a:srgbClr val="09885A"/>
+                </a:solidFill>
+                <a:latin typeface="Fira Code" panose="020B0509050000020004" pitchFamily="49" charset="0"/>
+              </a:rPr>
+              <a:t>50</a:t>
+            </a:r>
+            <a:r>
+              <a:rPr lang="en-US" sz="1400" dirty="0">
+                <a:solidFill>
+                  <a:srgbClr val="000000"/>
+                </a:solidFill>
+                <a:latin typeface="Fira Code" panose="020B0509050000020004" pitchFamily="49" charset="0"/>
+              </a:rPr>
+              <a:t>)</a:t>
+            </a:r>
+          </a:p>
+          <a:p>
+            <a:r>
+              <a:rPr lang="en-US" sz="1400" dirty="0" err="1">
+                <a:solidFill>
+                  <a:srgbClr val="000000"/>
+                </a:solidFill>
+                <a:latin typeface="Fira Code" panose="020B0509050000020004" pitchFamily="49" charset="0"/>
+              </a:rPr>
+              <a:t>ycost</a:t>
+            </a:r>
+            <a:r>
+              <a:rPr lang="en-US" sz="1400" dirty="0">
+                <a:solidFill>
+                  <a:srgbClr val="000000"/>
+                </a:solidFill>
+                <a:latin typeface="Fira Code" panose="020B0509050000020004" pitchFamily="49" charset="0"/>
+              </a:rPr>
+              <a:t> = []</a:t>
+            </a:r>
+          </a:p>
+          <a:p>
+            <a:r>
+              <a:rPr lang="en-US" sz="1400" dirty="0">
+                <a:solidFill>
+                  <a:srgbClr val="0000FF"/>
+                </a:solidFill>
+                <a:latin typeface="Fira Code" panose="020B0509050000020004" pitchFamily="49" charset="0"/>
+              </a:rPr>
+              <a:t>for</a:t>
+            </a:r>
+            <a:r>
+              <a:rPr lang="en-US" sz="1400" dirty="0">
+                <a:solidFill>
+                  <a:srgbClr val="000000"/>
+                </a:solidFill>
+                <a:latin typeface="Fira Code" panose="020B0509050000020004" pitchFamily="49" charset="0"/>
+              </a:rPr>
+              <a:t> w </a:t>
+            </a:r>
+            <a:r>
+              <a:rPr lang="en-US" sz="1400" dirty="0">
+                <a:solidFill>
+                  <a:srgbClr val="0000FF"/>
+                </a:solidFill>
+                <a:latin typeface="Fira Code" panose="020B0509050000020004" pitchFamily="49" charset="0"/>
+              </a:rPr>
+              <a:t>in</a:t>
+            </a:r>
+            <a:r>
+              <a:rPr lang="en-US" sz="1400" dirty="0">
+                <a:solidFill>
+                  <a:srgbClr val="000000"/>
+                </a:solidFill>
+                <a:latin typeface="Fira Code" panose="020B0509050000020004" pitchFamily="49" charset="0"/>
+              </a:rPr>
+              <a:t> w1:</a:t>
+            </a:r>
+          </a:p>
+          <a:p>
+            <a:r>
+              <a:rPr lang="en-US" sz="1400" dirty="0" err="1">
+                <a:solidFill>
+                  <a:srgbClr val="000000"/>
+                </a:solidFill>
+                <a:latin typeface="Fira Code" panose="020B0509050000020004" pitchFamily="49" charset="0"/>
+              </a:rPr>
+              <a:t>ycost.append</a:t>
+            </a:r>
+            <a:r>
+              <a:rPr lang="en-US" sz="1400" dirty="0">
+                <a:solidFill>
+                  <a:srgbClr val="000000"/>
+                </a:solidFill>
+                <a:latin typeface="Fira Code" panose="020B0509050000020004" pitchFamily="49" charset="0"/>
+              </a:rPr>
+              <a:t>(</a:t>
+            </a:r>
+            <a:r>
+              <a:rPr lang="en-US" sz="1400" dirty="0" err="1">
+                <a:solidFill>
+                  <a:srgbClr val="000000"/>
+                </a:solidFill>
+                <a:latin typeface="Fira Code" panose="020B0509050000020004" pitchFamily="49" charset="0"/>
+              </a:rPr>
+              <a:t>cost_func</a:t>
+            </a:r>
+            <a:r>
+              <a:rPr lang="en-US" sz="1400" dirty="0">
+                <a:solidFill>
+                  <a:srgbClr val="000000"/>
+                </a:solidFill>
+                <a:latin typeface="Fira Code" panose="020B0509050000020004" pitchFamily="49" charset="0"/>
+              </a:rPr>
+              <a:t>(</a:t>
+            </a:r>
+            <a:r>
+              <a:rPr lang="en-US" sz="1400" dirty="0" err="1">
+                <a:solidFill>
+                  <a:srgbClr val="000000"/>
+                </a:solidFill>
+                <a:latin typeface="Fira Code" panose="020B0509050000020004" pitchFamily="49" charset="0"/>
+              </a:rPr>
+              <a:t>X,y,w</a:t>
+            </a:r>
+            <a:r>
+              <a:rPr lang="en-US" sz="1400" dirty="0">
+                <a:solidFill>
+                  <a:srgbClr val="000000"/>
+                </a:solidFill>
+                <a:latin typeface="Fira Code" panose="020B0509050000020004" pitchFamily="49" charset="0"/>
+              </a:rPr>
+              <a:t>))</a:t>
+            </a:r>
+          </a:p>
+          <a:p>
+            <a:br>
+              <a:rPr lang="en-US" sz="1400" dirty="0">
+                <a:solidFill>
+                  <a:srgbClr val="000000"/>
+                </a:solidFill>
+                <a:latin typeface="Fira Code" panose="020B0509050000020004" pitchFamily="49" charset="0"/>
+              </a:rPr>
+            </a:br>
+            <a:r>
+              <a:rPr lang="en-US" sz="1400" dirty="0" err="1">
+                <a:solidFill>
+                  <a:srgbClr val="000000"/>
+                </a:solidFill>
+                <a:latin typeface="Fira Code" panose="020B0509050000020004" pitchFamily="49" charset="0"/>
+              </a:rPr>
+              <a:t>plt.scatter</a:t>
+            </a:r>
+            <a:r>
+              <a:rPr lang="en-US" sz="1400" dirty="0">
+                <a:solidFill>
+                  <a:srgbClr val="000000"/>
+                </a:solidFill>
+                <a:latin typeface="Fira Code" panose="020B0509050000020004" pitchFamily="49" charset="0"/>
+              </a:rPr>
+              <a:t>(w1, </a:t>
+            </a:r>
+            <a:r>
+              <a:rPr lang="en-US" sz="1400" dirty="0" err="1">
+                <a:solidFill>
+                  <a:srgbClr val="000000"/>
+                </a:solidFill>
+                <a:latin typeface="Fira Code" panose="020B0509050000020004" pitchFamily="49" charset="0"/>
+              </a:rPr>
+              <a:t>ycost</a:t>
+            </a:r>
+            <a:r>
+              <a:rPr lang="en-US" sz="1400" dirty="0">
+                <a:solidFill>
+                  <a:srgbClr val="000000"/>
+                </a:solidFill>
+                <a:latin typeface="Fira Code" panose="020B0509050000020004" pitchFamily="49" charset="0"/>
+              </a:rPr>
+              <a:t>)</a:t>
+            </a:r>
+          </a:p>
+          <a:p>
+            <a:r>
+              <a:rPr lang="en-US" sz="1400" dirty="0" err="1">
+                <a:solidFill>
+                  <a:srgbClr val="000000"/>
+                </a:solidFill>
+                <a:latin typeface="Fira Code" panose="020B0509050000020004" pitchFamily="49" charset="0"/>
+              </a:rPr>
+              <a:t>plt.title</a:t>
+            </a:r>
+            <a:r>
+              <a:rPr lang="en-US" sz="1400" dirty="0">
+                <a:solidFill>
+                  <a:srgbClr val="000000"/>
+                </a:solidFill>
+                <a:latin typeface="Fira Code" panose="020B0509050000020004" pitchFamily="49" charset="0"/>
+              </a:rPr>
+              <a:t>(</a:t>
+            </a:r>
+            <a:r>
+              <a:rPr lang="en-US" sz="1400" dirty="0">
+                <a:solidFill>
+                  <a:srgbClr val="A31515"/>
+                </a:solidFill>
+                <a:latin typeface="Fira Code" panose="020B0509050000020004" pitchFamily="49" charset="0"/>
+              </a:rPr>
+              <a:t>"Cost function estimated (</a:t>
+            </a:r>
+            <a:r>
+              <a:rPr lang="en-US" sz="1400" dirty="0" err="1">
+                <a:solidFill>
+                  <a:srgbClr val="A31515"/>
+                </a:solidFill>
+                <a:latin typeface="Fira Code" panose="020B0509050000020004" pitchFamily="49" charset="0"/>
+              </a:rPr>
+              <a:t>model.coef</a:t>
+            </a:r>
+            <a:r>
+              <a:rPr lang="en-US" sz="1400" dirty="0">
+                <a:solidFill>
+                  <a:srgbClr val="A31515"/>
+                </a:solidFill>
+                <a:latin typeface="Fira Code" panose="020B0509050000020004" pitchFamily="49" charset="0"/>
+              </a:rPr>
+              <a:t>_ = 2.05441762)"</a:t>
+            </a:r>
+            <a:r>
+              <a:rPr lang="en-US" sz="1400" dirty="0">
+                <a:solidFill>
+                  <a:srgbClr val="000000"/>
+                </a:solidFill>
+                <a:latin typeface="Fira Code" panose="020B0509050000020004" pitchFamily="49" charset="0"/>
+              </a:rPr>
+              <a:t>)</a:t>
+            </a:r>
+          </a:p>
+        </p:txBody>
+      </p:sp>
+      <p:pic>
+        <p:nvPicPr>
+          <p:cNvPr id="9" name="Picture 8">
+            <a:extLst>
+              <a:ext uri="{FF2B5EF4-FFF2-40B4-BE49-F238E27FC236}">
+                <a16:creationId xmlns:a16="http://schemas.microsoft.com/office/drawing/2014/main" id="{1D9F3761-04BA-0D4B-BF7A-DBA2D081FEED}"/>
+              </a:ext>
+            </a:extLst>
+          </p:cNvPr>
+          <p:cNvPicPr>
+            <a:picLocks noChangeAspect="1"/>
+          </p:cNvPicPr>
+          <p:nvPr/>
+        </p:nvPicPr>
+        <p:blipFill>
+          <a:blip r:embed="rId2">
+            <a:extLst>
+              <a:ext uri="{28A0092B-C50C-407E-A947-70E740481C1C}">
+                <a14:useLocalDpi xmlns:a14="http://schemas.microsoft.com/office/drawing/2010/main" val="0"/>
+              </a:ext>
+            </a:extLst>
+          </a:blip>
+          <a:stretch>
+            <a:fillRect/>
+          </a:stretch>
+        </p:blipFill>
+        <p:spPr>
+          <a:xfrm>
+            <a:off x="344288" y="1473207"/>
+            <a:ext cx="5132605" cy="3911585"/>
+          </a:xfrm>
+          <a:prstGeom prst="rect">
+            <a:avLst/>
+          </a:prstGeom>
+        </p:spPr>
+      </p:pic>
+    </p:spTree>
+    <p:extLst>
+      <p:ext uri="{BB962C8B-B14F-4D97-AF65-F5344CB8AC3E}">
+        <p14:creationId xmlns:p14="http://schemas.microsoft.com/office/powerpoint/2010/main" val="243502687"/>
+      </p:ext>
+    </p:extLst>
+  </p:cSld>
+  <p:clrMapOvr>
+    <a:masterClrMapping/>
+  </p:clrMapOvr>
+</p:sld>
+</file>
+
+<file path=ppt/slides/slide11.xml><?xml version="1.0" encoding="utf-8"?>
+<p:sld xmlns:a="http://schemas.openxmlformats.org/drawingml/2006/main" xmlns:r="http://schemas.openxmlformats.org/officeDocument/2006/relationships" xmlns:p="http://schemas.openxmlformats.org/presentationml/2006/main">
+  <p:cSld>
+    <p:spTree>
+      <p:nvGrpSpPr>
+        <p:cNvPr id="1" name=""/>
+        <p:cNvGrpSpPr/>
+        <p:nvPr/>
+      </p:nvGrpSpPr>
+      <p:grpSpPr>
+        <a:xfrm>
+          <a:off x="0" y="0"/>
+          <a:ext cx="0" cy="0"/>
+          <a:chOff x="0" y="0"/>
+          <a:chExt cx="0" cy="0"/>
+        </a:xfrm>
+      </p:grpSpPr>
+      <p:sp>
+        <p:nvSpPr>
+          <p:cNvPr id="2" name="Title 1">
+            <a:extLst>
+              <a:ext uri="{FF2B5EF4-FFF2-40B4-BE49-F238E27FC236}">
                 <a16:creationId xmlns:a16="http://schemas.microsoft.com/office/drawing/2014/main" id="{05872A7B-9487-D542-9CE7-770C6545571E}"/>
               </a:ext>
             </a:extLst>
@@ -7341,7 +8050,7 @@
 </p:sld>
 </file>
 
-<file path=ppt/slides/slide11.xml><?xml version="1.0" encoding="utf-8"?>
+<file path=ppt/slides/slide12.xml><?xml version="1.0" encoding="utf-8"?>
 <p:sld xmlns:a="http://schemas.openxmlformats.org/drawingml/2006/main" xmlns:r="http://schemas.openxmlformats.org/officeDocument/2006/relationships" xmlns:p="http://schemas.openxmlformats.org/presentationml/2006/main">
   <p:cSld>
     <p:spTree>
@@ -7386,7 +8095,7 @@
           <a:p>
             <a:r>
               <a:rPr lang="en-US" dirty="0"/>
-              <a:t>What if the model has one extra parameter</a:t>
+              <a:t>What if the model has one extra parameter?</a:t>
             </a:r>
           </a:p>
         </p:txBody>
@@ -7434,7 +8143,7 @@
 </p:sld>
 </file>
 
-<file path=ppt/slides/slide12.xml><?xml version="1.0" encoding="utf-8"?>
+<file path=ppt/slides/slide13.xml><?xml version="1.0" encoding="utf-8"?>
 <p:sld xmlns:a="http://schemas.openxmlformats.org/drawingml/2006/main" xmlns:r="http://schemas.openxmlformats.org/officeDocument/2006/relationships" xmlns:p="http://schemas.openxmlformats.org/presentationml/2006/main">
   <p:cSld>
     <p:spTree>
@@ -7533,7 +8242,7 @@
 </p:sld>
 </file>
 
-<file path=ppt/slides/slide13.xml><?xml version="1.0" encoding="utf-8"?>
+<file path=ppt/slides/slide14.xml><?xml version="1.0" encoding="utf-8"?>
 <p:sld xmlns:a="http://schemas.openxmlformats.org/drawingml/2006/main" xmlns:r="http://schemas.openxmlformats.org/officeDocument/2006/relationships" xmlns:p="http://schemas.openxmlformats.org/presentationml/2006/main">
   <p:cSld>
     <p:spTree>
@@ -8186,6 +8895,36 @@
           <a:chExt cx="0" cy="0"/>
         </a:xfrm>
       </p:grpSpPr>
+      <p:pic>
+        <p:nvPicPr>
+          <p:cNvPr id="14" name="Picture 13">
+            <a:extLst>
+              <a:ext uri="{FF2B5EF4-FFF2-40B4-BE49-F238E27FC236}">
+                <a16:creationId xmlns:a16="http://schemas.microsoft.com/office/drawing/2014/main" id="{2097BADE-E8D9-774D-98B0-CA6DFAD5BF68}"/>
+              </a:ext>
+            </a:extLst>
+          </p:cNvPr>
+          <p:cNvPicPr>
+            <a:picLocks noChangeAspect="1"/>
+          </p:cNvPicPr>
+          <p:nvPr/>
+        </p:nvPicPr>
+        <p:blipFill>
+          <a:blip r:embed="rId2"/>
+          <a:stretch>
+            <a:fillRect/>
+          </a:stretch>
+        </p:blipFill>
+        <p:spPr>
+          <a:xfrm>
+            <a:off x="2246276" y="3662039"/>
+            <a:ext cx="3429000" cy="1320800"/>
+          </a:xfrm>
+          <a:prstGeom prst="rect">
+            <a:avLst/>
+          </a:prstGeom>
+        </p:spPr>
+      </p:pic>
       <p:sp>
         <p:nvSpPr>
           <p:cNvPr id="2" name="Title 1">
@@ -8279,66 +9018,6 @@
           </a:p>
         </p:txBody>
       </p:sp>
-      <p:pic>
-        <p:nvPicPr>
-          <p:cNvPr id="6" name="Picture 5">
-            <a:extLst>
-              <a:ext uri="{FF2B5EF4-FFF2-40B4-BE49-F238E27FC236}">
-                <a16:creationId xmlns:a16="http://schemas.microsoft.com/office/drawing/2014/main" id="{F203D42E-C119-2447-AB5F-43CECC958F84}"/>
-              </a:ext>
-            </a:extLst>
-          </p:cNvPr>
-          <p:cNvPicPr>
-            <a:picLocks noChangeAspect="1"/>
-          </p:cNvPicPr>
-          <p:nvPr/>
-        </p:nvPicPr>
-        <p:blipFill>
-          <a:blip r:embed="rId2"/>
-          <a:stretch>
-            <a:fillRect/>
-          </a:stretch>
-        </p:blipFill>
-        <p:spPr>
-          <a:xfrm>
-            <a:off x="2820121" y="3831938"/>
-            <a:ext cx="3429000" cy="1143000"/>
-          </a:xfrm>
-          <a:prstGeom prst="rect">
-            <a:avLst/>
-          </a:prstGeom>
-        </p:spPr>
-      </p:pic>
-      <p:pic>
-        <p:nvPicPr>
-          <p:cNvPr id="4" name="Picture 3">
-            <a:extLst>
-              <a:ext uri="{FF2B5EF4-FFF2-40B4-BE49-F238E27FC236}">
-                <a16:creationId xmlns:a16="http://schemas.microsoft.com/office/drawing/2014/main" id="{5242B792-4446-A24E-84D2-50380B00C572}"/>
-              </a:ext>
-            </a:extLst>
-          </p:cNvPr>
-          <p:cNvPicPr>
-            <a:picLocks noChangeAspect="1"/>
-          </p:cNvPicPr>
-          <p:nvPr/>
-        </p:nvPicPr>
-        <p:blipFill>
-          <a:blip r:embed="rId3"/>
-          <a:stretch>
-            <a:fillRect/>
-          </a:stretch>
-        </p:blipFill>
-        <p:spPr>
-          <a:xfrm>
-            <a:off x="2770908" y="5407583"/>
-            <a:ext cx="685800" cy="965200"/>
-          </a:xfrm>
-          <a:prstGeom prst="rect">
-            <a:avLst/>
-          </a:prstGeom>
-        </p:spPr>
-      </p:pic>
       <p:cxnSp>
         <p:nvCxnSpPr>
           <p:cNvPr id="8" name="Straight Arrow Connector 7">
@@ -8348,13 +9027,15 @@
               </a:ext>
             </a:extLst>
           </p:cNvPr>
-          <p:cNvCxnSpPr/>
+          <p:cNvCxnSpPr>
+            <a:cxnSpLocks/>
+          </p:cNvCxnSpPr>
           <p:nvPr/>
         </p:nvCxnSpPr>
         <p:spPr>
           <a:xfrm flipV="1">
-            <a:off x="3456708" y="4897078"/>
-            <a:ext cx="271462" cy="549833"/>
+            <a:off x="3456708" y="4974938"/>
+            <a:ext cx="264765" cy="471974"/>
           </a:xfrm>
           <a:prstGeom prst="straightConnector1">
             <a:avLst/>
@@ -8392,8 +9073,8 @@
         </p:nvSpPr>
         <p:spPr>
           <a:xfrm>
-            <a:off x="3592439" y="3831938"/>
-            <a:ext cx="736674" cy="1143000"/>
+            <a:off x="3721473" y="3662039"/>
+            <a:ext cx="607640" cy="1312899"/>
           </a:xfrm>
           <a:prstGeom prst="ellipse">
             <a:avLst/>
@@ -8451,36 +9132,6 @@
           </a:p>
         </p:txBody>
       </p:sp>
-      <p:pic>
-        <p:nvPicPr>
-          <p:cNvPr id="7" name="Picture 6">
-            <a:extLst>
-              <a:ext uri="{FF2B5EF4-FFF2-40B4-BE49-F238E27FC236}">
-                <a16:creationId xmlns:a16="http://schemas.microsoft.com/office/drawing/2014/main" id="{EF15E418-FB47-EB48-81E5-789887764D77}"/>
-              </a:ext>
-            </a:extLst>
-          </p:cNvPr>
-          <p:cNvPicPr>
-            <a:picLocks noChangeAspect="1"/>
-          </p:cNvPicPr>
-          <p:nvPr/>
-        </p:nvPicPr>
-        <p:blipFill>
-          <a:blip r:embed="rId4"/>
-          <a:stretch>
-            <a:fillRect/>
-          </a:stretch>
-        </p:blipFill>
-        <p:spPr>
-          <a:xfrm>
-            <a:off x="2770908" y="1961621"/>
-            <a:ext cx="6032500" cy="596900"/>
-          </a:xfrm>
-          <a:prstGeom prst="rect">
-            <a:avLst/>
-          </a:prstGeom>
-        </p:spPr>
-      </p:pic>
       <p:sp>
         <p:nvSpPr>
           <p:cNvPr id="10" name="TextBox 9">
@@ -8552,8 +9203,8 @@
         </p:nvCxnSpPr>
         <p:spPr>
           <a:xfrm flipH="1" flipV="1">
-            <a:off x="4810011" y="2532348"/>
-            <a:ext cx="1954293" cy="827617"/>
+            <a:off x="6249121" y="2714220"/>
+            <a:ext cx="515184" cy="645746"/>
           </a:xfrm>
           <a:prstGeom prst="straightConnector1">
             <a:avLst/>
@@ -8625,6 +9276,66 @@
           </a:p>
         </p:txBody>
       </p:sp>
+      <p:pic>
+        <p:nvPicPr>
+          <p:cNvPr id="5" name="Picture 4">
+            <a:extLst>
+              <a:ext uri="{FF2B5EF4-FFF2-40B4-BE49-F238E27FC236}">
+                <a16:creationId xmlns:a16="http://schemas.microsoft.com/office/drawing/2014/main" id="{2DB9069B-92FE-634D-B8C1-2403A30C5967}"/>
+              </a:ext>
+            </a:extLst>
+          </p:cNvPr>
+          <p:cNvPicPr>
+            <a:picLocks noChangeAspect="1"/>
+          </p:cNvPicPr>
+          <p:nvPr/>
+        </p:nvPicPr>
+        <p:blipFill>
+          <a:blip r:embed="rId3"/>
+          <a:stretch>
+            <a:fillRect/>
+          </a:stretch>
+        </p:blipFill>
+        <p:spPr>
+          <a:xfrm>
+            <a:off x="671476" y="1949451"/>
+            <a:ext cx="6578600" cy="685800"/>
+          </a:xfrm>
+          <a:prstGeom prst="rect">
+            <a:avLst/>
+          </a:prstGeom>
+        </p:spPr>
+      </p:pic>
+      <p:pic>
+        <p:nvPicPr>
+          <p:cNvPr id="17" name="Picture 16">
+            <a:extLst>
+              <a:ext uri="{FF2B5EF4-FFF2-40B4-BE49-F238E27FC236}">
+                <a16:creationId xmlns:a16="http://schemas.microsoft.com/office/drawing/2014/main" id="{7DB70C86-3827-8A47-AC08-260AC2E3218E}"/>
+              </a:ext>
+            </a:extLst>
+          </p:cNvPr>
+          <p:cNvPicPr>
+            <a:picLocks noChangeAspect="1"/>
+          </p:cNvPicPr>
+          <p:nvPr/>
+        </p:nvPicPr>
+        <p:blipFill>
+          <a:blip r:embed="rId4"/>
+          <a:stretch>
+            <a:fillRect/>
+          </a:stretch>
+        </p:blipFill>
+        <p:spPr>
+          <a:xfrm>
+            <a:off x="3118371" y="5446912"/>
+            <a:ext cx="338337" cy="642841"/>
+          </a:xfrm>
+          <a:prstGeom prst="rect">
+            <a:avLst/>
+          </a:prstGeom>
+        </p:spPr>
+      </p:pic>
     </p:spTree>
     <p:extLst>
       <p:ext uri="{BB962C8B-B14F-4D97-AF65-F5344CB8AC3E}">
@@ -8639,6 +9350,99 @@
 </file>
 
 <file path=ppt/slides/slide6.xml><?xml version="1.0" encoding="utf-8"?>
+<p:sld xmlns:a="http://schemas.openxmlformats.org/drawingml/2006/main" xmlns:r="http://schemas.openxmlformats.org/officeDocument/2006/relationships" xmlns:p="http://schemas.openxmlformats.org/presentationml/2006/main">
+  <p:cSld>
+    <p:spTree>
+      <p:nvGrpSpPr>
+        <p:cNvPr id="1" name=""/>
+        <p:cNvGrpSpPr/>
+        <p:nvPr/>
+      </p:nvGrpSpPr>
+      <p:grpSpPr>
+        <a:xfrm>
+          <a:off x="0" y="0"/>
+          <a:ext cx="0" cy="0"/>
+          <a:chOff x="0" y="0"/>
+          <a:chExt cx="0" cy="0"/>
+        </a:xfrm>
+      </p:grpSpPr>
+      <p:sp>
+        <p:nvSpPr>
+          <p:cNvPr id="2" name="Title 1">
+            <a:extLst>
+              <a:ext uri="{FF2B5EF4-FFF2-40B4-BE49-F238E27FC236}">
+                <a16:creationId xmlns:a16="http://schemas.microsoft.com/office/drawing/2014/main" id="{FF0D27C6-238D-8B47-96EB-C8DB07DE0D24}"/>
+              </a:ext>
+            </a:extLst>
+          </p:cNvPr>
+          <p:cNvSpPr>
+            <a:spLocks noGrp="1"/>
+          </p:cNvSpPr>
+          <p:nvPr>
+            <p:ph type="title"/>
+          </p:nvPr>
+        </p:nvSpPr>
+        <p:spPr>
+          <a:xfrm>
+            <a:off x="344288" y="320040"/>
+            <a:ext cx="11422261" cy="511166"/>
+          </a:xfrm>
+        </p:spPr>
+        <p:txBody>
+          <a:bodyPr/>
+          <a:lstStyle/>
+          <a:p>
+            <a:r>
+              <a:rPr lang="en-US" dirty="0"/>
+              <a:t>Cost Function Parameterized by w0 and w1</a:t>
+            </a:r>
+          </a:p>
+        </p:txBody>
+      </p:sp>
+      <p:pic>
+        <p:nvPicPr>
+          <p:cNvPr id="4" name="Picture 3">
+            <a:extLst>
+              <a:ext uri="{FF2B5EF4-FFF2-40B4-BE49-F238E27FC236}">
+                <a16:creationId xmlns:a16="http://schemas.microsoft.com/office/drawing/2014/main" id="{19086016-4414-5B4C-842F-7C51E875A369}"/>
+              </a:ext>
+            </a:extLst>
+          </p:cNvPr>
+          <p:cNvPicPr>
+            <a:picLocks noChangeAspect="1"/>
+          </p:cNvPicPr>
+          <p:nvPr/>
+        </p:nvPicPr>
+        <p:blipFill>
+          <a:blip r:embed="rId2"/>
+          <a:stretch>
+            <a:fillRect/>
+          </a:stretch>
+        </p:blipFill>
+        <p:spPr>
+          <a:xfrm>
+            <a:off x="490562" y="1761618"/>
+            <a:ext cx="7453348" cy="1238256"/>
+          </a:xfrm>
+          <a:prstGeom prst="rect">
+            <a:avLst/>
+          </a:prstGeom>
+        </p:spPr>
+      </p:pic>
+    </p:spTree>
+    <p:extLst>
+      <p:ext uri="{BB962C8B-B14F-4D97-AF65-F5344CB8AC3E}">
+        <p14:creationId xmlns:p14="http://schemas.microsoft.com/office/powerpoint/2010/main" val="1520014819"/>
+      </p:ext>
+    </p:extLst>
+  </p:cSld>
+  <p:clrMapOvr>
+    <a:masterClrMapping/>
+  </p:clrMapOvr>
+</p:sld>
+</file>
+
+<file path=ppt/slides/slide7.xml><?xml version="1.0" encoding="utf-8"?>
 <p:sld xmlns:a="http://schemas.openxmlformats.org/drawingml/2006/main" xmlns:r="http://schemas.openxmlformats.org/officeDocument/2006/relationships" xmlns:p="http://schemas.openxmlformats.org/presentationml/2006/main">
   <p:cSld>
     <p:spTree>
@@ -8946,7 +9750,7 @@
 </p:sld>
 </file>
 
-<file path=ppt/slides/slide7.xml><?xml version="1.0" encoding="utf-8"?>
+<file path=ppt/slides/slide8.xml><?xml version="1.0" encoding="utf-8"?>
 <p:sld xmlns:a="http://schemas.openxmlformats.org/drawingml/2006/main" xmlns:r="http://schemas.openxmlformats.org/officeDocument/2006/relationships" xmlns:p="http://schemas.openxmlformats.org/presentationml/2006/main">
   <p:cSld>
     <p:spTree>
@@ -9334,7 +10138,7 @@
 </p:sld>
 </file>
 
-<file path=ppt/slides/slide8.xml><?xml version="1.0" encoding="utf-8"?>
+<file path=ppt/slides/slide9.xml><?xml version="1.0" encoding="utf-8"?>
 <p:sld xmlns:a="http://schemas.openxmlformats.org/drawingml/2006/main" xmlns:r="http://schemas.openxmlformats.org/officeDocument/2006/relationships" xmlns:p="http://schemas.openxmlformats.org/presentationml/2006/main">
   <p:cSld>
     <p:spTree>
@@ -9384,36 +10188,6 @@
           </a:p>
         </p:txBody>
       </p:sp>
-      <p:pic>
-        <p:nvPicPr>
-          <p:cNvPr id="4" name="Picture 3">
-            <a:extLst>
-              <a:ext uri="{FF2B5EF4-FFF2-40B4-BE49-F238E27FC236}">
-                <a16:creationId xmlns:a16="http://schemas.microsoft.com/office/drawing/2014/main" id="{E51CB22B-A2C1-4341-BFDE-761E4938CD05}"/>
-              </a:ext>
-            </a:extLst>
-          </p:cNvPr>
-          <p:cNvPicPr>
-            <a:picLocks noChangeAspect="1"/>
-          </p:cNvPicPr>
-          <p:nvPr/>
-        </p:nvPicPr>
-        <p:blipFill>
-          <a:blip r:embed="rId2"/>
-          <a:stretch>
-            <a:fillRect/>
-          </a:stretch>
-        </p:blipFill>
-        <p:spPr>
-          <a:xfrm>
-            <a:off x="486177" y="1144158"/>
-            <a:ext cx="3518264" cy="820637"/>
-          </a:xfrm>
-          <a:prstGeom prst="rect">
-            <a:avLst/>
-          </a:prstGeom>
-        </p:spPr>
-      </p:pic>
       <p:sp>
         <p:nvSpPr>
           <p:cNvPr id="5" name="TextBox 4">
@@ -9428,8 +10202,8 @@
         </p:nvSpPr>
         <p:spPr>
           <a:xfrm>
-            <a:off x="5711130" y="1048588"/>
-            <a:ext cx="6133407" cy="2557623"/>
+            <a:off x="5711130" y="2457663"/>
+            <a:ext cx="4587113" cy="1446550"/>
           </a:xfrm>
           <a:prstGeom prst="rect">
             <a:avLst/>
@@ -9456,7 +10230,7 @@
           <a:lstStyle/>
           <a:p>
             <a:r>
-              <a:rPr lang="en-US" sz="1600" dirty="0">
+              <a:rPr lang="en-US" sz="1400" dirty="0">
                 <a:solidFill>
                   <a:srgbClr val="0000FF"/>
                 </a:solidFill>
@@ -9465,7 +10239,7 @@
               <a:t>def</a:t>
             </a:r>
             <a:r>
-              <a:rPr lang="en-US" sz="1600" dirty="0">
+              <a:rPr lang="en-US" sz="1400" dirty="0">
                 <a:solidFill>
                   <a:srgbClr val="000000"/>
                 </a:solidFill>
@@ -9474,16 +10248,16 @@
               <a:t> </a:t>
             </a:r>
             <a:r>
-              <a:rPr lang="en-US" sz="1600" dirty="0" err="1">
+              <a:rPr lang="en-US" sz="1400" dirty="0" err="1">
                 <a:solidFill>
                   <a:srgbClr val="000000"/>
                 </a:solidFill>
                 <a:latin typeface="Fira Code" panose="020B0509050000020004" pitchFamily="49" charset="0"/>
               </a:rPr>
-              <a:t>cost_func</a:t>
-            </a:r>
-            <a:r>
-              <a:rPr lang="en-US" sz="1600" dirty="0">
+              <a:t>compute_cost</a:t>
+            </a:r>
+            <a:r>
+              <a:rPr lang="en-US" sz="1400" dirty="0">
                 <a:solidFill>
                   <a:srgbClr val="000000"/>
                 </a:solidFill>
@@ -9494,7 +10268,7 @@
           </a:p>
           <a:p>
             <a:r>
-              <a:rPr lang="en-US" sz="1600" dirty="0">
+              <a:rPr lang="en-US" sz="1400" dirty="0">
                 <a:solidFill>
                   <a:srgbClr val="000000"/>
                 </a:solidFill>
@@ -9503,7 +10277,7 @@
               <a:t>    n = </a:t>
             </a:r>
             <a:r>
-              <a:rPr lang="en-US" sz="1600" dirty="0" err="1">
+              <a:rPr lang="en-US" sz="1400" dirty="0" err="1">
                 <a:solidFill>
                   <a:srgbClr val="000000"/>
                 </a:solidFill>
@@ -9512,7 +10286,7 @@
               <a:t>len</a:t>
             </a:r>
             <a:r>
-              <a:rPr lang="en-US" sz="1600" dirty="0">
+              <a:rPr lang="en-US" sz="1400" dirty="0">
                 <a:solidFill>
                   <a:srgbClr val="000000"/>
                 </a:solidFill>
@@ -9523,7 +10297,7 @@
           </a:p>
           <a:p>
             <a:r>
-              <a:rPr lang="en-US" sz="1600" dirty="0">
+              <a:rPr lang="en-US" sz="1400" dirty="0">
                 <a:solidFill>
                   <a:srgbClr val="0000FF"/>
                 </a:solidFill>
@@ -9532,7 +10306,7 @@
               <a:t>    return</a:t>
             </a:r>
             <a:r>
-              <a:rPr lang="en-US" sz="1600" dirty="0">
+              <a:rPr lang="en-US" sz="1400" dirty="0">
                 <a:solidFill>
                   <a:srgbClr val="000000"/>
                 </a:solidFill>
@@ -9541,7 +10315,7 @@
               <a:t> </a:t>
             </a:r>
             <a:r>
-              <a:rPr lang="en-US" sz="1600" dirty="0">
+              <a:rPr lang="en-US" sz="1400" dirty="0">
                 <a:solidFill>
                   <a:srgbClr val="09885A"/>
                 </a:solidFill>
@@ -9550,7 +10324,7 @@
               <a:t>1</a:t>
             </a:r>
             <a:r>
-              <a:rPr lang="en-US" sz="1600" dirty="0">
+              <a:rPr lang="en-US" sz="1400" dirty="0">
                 <a:solidFill>
                   <a:srgbClr val="000000"/>
                 </a:solidFill>
@@ -9559,7 +10333,7 @@
               <a:t>./(</a:t>
             </a:r>
             <a:r>
-              <a:rPr lang="en-US" sz="1600" dirty="0">
+              <a:rPr lang="en-US" sz="1400" dirty="0">
                 <a:solidFill>
                   <a:srgbClr val="09885A"/>
                 </a:solidFill>
@@ -9568,7 +10342,7 @@
               <a:t>2</a:t>
             </a:r>
             <a:r>
-              <a:rPr lang="en-US" sz="1600" dirty="0">
+              <a:rPr lang="en-US" sz="1400" dirty="0">
                 <a:solidFill>
                   <a:srgbClr val="000000"/>
                 </a:solidFill>
@@ -9577,7 +10351,7 @@
               <a:t>*n) * </a:t>
             </a:r>
             <a:r>
-              <a:rPr lang="en-US" sz="1600" dirty="0" err="1">
+              <a:rPr lang="en-US" sz="1400" dirty="0" err="1">
                 <a:solidFill>
                   <a:srgbClr val="000000"/>
                 </a:solidFill>
@@ -9586,16 +10360,45 @@
               <a:t>np.sum</a:t>
             </a:r>
             <a:r>
-              <a:rPr lang="en-US" sz="1600" dirty="0">
+              <a:rPr lang="en-US" sz="1400" dirty="0">
                 <a:solidFill>
                   <a:srgbClr val="000000"/>
                 </a:solidFill>
                 <a:latin typeface="Fira Code" panose="020B0509050000020004" pitchFamily="49" charset="0"/>
               </a:rPr>
-              <a:t>(( w * X - y)**</a:t>
-            </a:r>
-            <a:r>
-              <a:rPr lang="en-US" sz="1600" dirty="0">
+              <a:t>(( </a:t>
+            </a:r>
+          </a:p>
+          <a:p>
+            <a:r>
+              <a:rPr lang="en-US" sz="1400" dirty="0">
+                <a:solidFill>
+                  <a:srgbClr val="000000"/>
+                </a:solidFill>
+                <a:latin typeface="Fira Code" panose="020B0509050000020004" pitchFamily="49" charset="0"/>
+              </a:rPr>
+              <a:t>	</a:t>
+            </a:r>
+            <a:r>
+              <a:rPr lang="en-US" sz="1400" dirty="0" err="1">
+                <a:solidFill>
+                  <a:srgbClr val="000000"/>
+                </a:solidFill>
+                <a:latin typeface="Fira Code" panose="020B0509050000020004" pitchFamily="49" charset="0"/>
+              </a:rPr>
+              <a:t>np.dot</a:t>
+            </a:r>
+            <a:r>
+              <a:rPr lang="en-US" sz="1400" dirty="0">
+                <a:solidFill>
+                  <a:srgbClr val="000000"/>
+                </a:solidFill>
+                <a:latin typeface="Fira Code" panose="020B0509050000020004" pitchFamily="49" charset="0"/>
+              </a:rPr>
+              <a:t>(X, w) – y[:,None])**</a:t>
+            </a:r>
+            <a:r>
+              <a:rPr lang="en-US" sz="1400" dirty="0">
                 <a:solidFill>
                   <a:srgbClr val="09885A"/>
                 </a:solidFill>
@@ -9604,7 +10407,7 @@
               <a:t>2</a:t>
             </a:r>
             <a:r>
-              <a:rPr lang="en-US" sz="1600" dirty="0">
+              <a:rPr lang="en-US" sz="1400" dirty="0">
                 <a:solidFill>
                   <a:srgbClr val="000000"/>
                 </a:solidFill>
@@ -9615,262 +10418,13 @@
           </a:p>
           <a:p>
             <a:br>
-              <a:rPr lang="en-US" sz="1600" dirty="0">
+              <a:rPr lang="en-US" sz="1400" dirty="0">
                 <a:solidFill>
                   <a:srgbClr val="000000"/>
                 </a:solidFill>
                 <a:latin typeface="Fira Code" panose="020B0509050000020004" pitchFamily="49" charset="0"/>
               </a:rPr>
             </a:br>
-            <a:r>
-              <a:rPr lang="en-US" sz="1600" dirty="0">
-                <a:solidFill>
-                  <a:srgbClr val="000000"/>
-                </a:solidFill>
-                <a:latin typeface="Fira Code" panose="020B0509050000020004" pitchFamily="49" charset="0"/>
-              </a:rPr>
-              <a:t>w1 = </a:t>
-            </a:r>
-            <a:r>
-              <a:rPr lang="en-US" sz="1600" dirty="0" err="1">
-                <a:solidFill>
-                  <a:srgbClr val="000000"/>
-                </a:solidFill>
-                <a:latin typeface="Fira Code" panose="020B0509050000020004" pitchFamily="49" charset="0"/>
-              </a:rPr>
-              <a:t>np.linspace</a:t>
-            </a:r>
-            <a:r>
-              <a:rPr lang="en-US" sz="1600" dirty="0">
-                <a:solidFill>
-                  <a:srgbClr val="000000"/>
-                </a:solidFill>
-                <a:latin typeface="Fira Code" panose="020B0509050000020004" pitchFamily="49" charset="0"/>
-              </a:rPr>
-              <a:t>(</a:t>
-            </a:r>
-            <a:r>
-              <a:rPr lang="en-US" sz="1600" dirty="0">
-                <a:solidFill>
-                  <a:srgbClr val="09885A"/>
-                </a:solidFill>
-                <a:latin typeface="Fira Code" panose="020B0509050000020004" pitchFamily="49" charset="0"/>
-              </a:rPr>
-              <a:t>1</a:t>
-            </a:r>
-            <a:r>
-              <a:rPr lang="en-US" sz="1600" dirty="0">
-                <a:solidFill>
-                  <a:srgbClr val="000000"/>
-                </a:solidFill>
-                <a:latin typeface="Fira Code" panose="020B0509050000020004" pitchFamily="49" charset="0"/>
-              </a:rPr>
-              <a:t>,</a:t>
-            </a:r>
-            <a:r>
-              <a:rPr lang="en-US" sz="1600" dirty="0">
-                <a:solidFill>
-                  <a:srgbClr val="09885A"/>
-                </a:solidFill>
-                <a:latin typeface="Fira Code" panose="020B0509050000020004" pitchFamily="49" charset="0"/>
-              </a:rPr>
-              <a:t>3</a:t>
-            </a:r>
-            <a:r>
-              <a:rPr lang="en-US" sz="1600" dirty="0">
-                <a:solidFill>
-                  <a:srgbClr val="000000"/>
-                </a:solidFill>
-                <a:latin typeface="Fira Code" panose="020B0509050000020004" pitchFamily="49" charset="0"/>
-              </a:rPr>
-              <a:t>,</a:t>
-            </a:r>
-            <a:r>
-              <a:rPr lang="en-US" sz="1600" dirty="0">
-                <a:solidFill>
-                  <a:srgbClr val="09885A"/>
-                </a:solidFill>
-                <a:latin typeface="Fira Code" panose="020B0509050000020004" pitchFamily="49" charset="0"/>
-              </a:rPr>
-              <a:t>50</a:t>
-            </a:r>
-            <a:r>
-              <a:rPr lang="en-US" sz="1600" dirty="0">
-                <a:solidFill>
-                  <a:srgbClr val="000000"/>
-                </a:solidFill>
-                <a:latin typeface="Fira Code" panose="020B0509050000020004" pitchFamily="49" charset="0"/>
-              </a:rPr>
-              <a:t>)</a:t>
-            </a:r>
-          </a:p>
-          <a:p>
-            <a:r>
-              <a:rPr lang="en-US" sz="1600" dirty="0" err="1">
-                <a:solidFill>
-                  <a:srgbClr val="000000"/>
-                </a:solidFill>
-                <a:latin typeface="Fira Code" panose="020B0509050000020004" pitchFamily="49" charset="0"/>
-              </a:rPr>
-              <a:t>ycost</a:t>
-            </a:r>
-            <a:r>
-              <a:rPr lang="en-US" sz="1600" dirty="0">
-                <a:solidFill>
-                  <a:srgbClr val="000000"/>
-                </a:solidFill>
-                <a:latin typeface="Fira Code" panose="020B0509050000020004" pitchFamily="49" charset="0"/>
-              </a:rPr>
-              <a:t> = []</a:t>
-            </a:r>
-          </a:p>
-          <a:p>
-            <a:r>
-              <a:rPr lang="en-US" sz="1600" dirty="0">
-                <a:solidFill>
-                  <a:srgbClr val="0000FF"/>
-                </a:solidFill>
-                <a:latin typeface="Fira Code" panose="020B0509050000020004" pitchFamily="49" charset="0"/>
-              </a:rPr>
-              <a:t>for</a:t>
-            </a:r>
-            <a:r>
-              <a:rPr lang="en-US" sz="1600" dirty="0">
-                <a:solidFill>
-                  <a:srgbClr val="000000"/>
-                </a:solidFill>
-                <a:latin typeface="Fira Code" panose="020B0509050000020004" pitchFamily="49" charset="0"/>
-              </a:rPr>
-              <a:t> w </a:t>
-            </a:r>
-            <a:r>
-              <a:rPr lang="en-US" sz="1600" dirty="0">
-                <a:solidFill>
-                  <a:srgbClr val="0000FF"/>
-                </a:solidFill>
-                <a:latin typeface="Fira Code" panose="020B0509050000020004" pitchFamily="49" charset="0"/>
-              </a:rPr>
-              <a:t>in</a:t>
-            </a:r>
-            <a:r>
-              <a:rPr lang="en-US" sz="1600" dirty="0">
-                <a:solidFill>
-                  <a:srgbClr val="000000"/>
-                </a:solidFill>
-                <a:latin typeface="Fira Code" panose="020B0509050000020004" pitchFamily="49" charset="0"/>
-              </a:rPr>
-              <a:t> w1:</a:t>
-            </a:r>
-          </a:p>
-          <a:p>
-            <a:r>
-              <a:rPr lang="en-US" sz="1600" dirty="0">
-                <a:solidFill>
-                  <a:srgbClr val="000000"/>
-                </a:solidFill>
-                <a:latin typeface="Fira Code" panose="020B0509050000020004" pitchFamily="49" charset="0"/>
-              </a:rPr>
-              <a:t>   </a:t>
-            </a:r>
-            <a:r>
-              <a:rPr lang="en-US" sz="1600" dirty="0" err="1">
-                <a:solidFill>
-                  <a:srgbClr val="000000"/>
-                </a:solidFill>
-                <a:latin typeface="Fira Code" panose="020B0509050000020004" pitchFamily="49" charset="0"/>
-              </a:rPr>
-              <a:t>ycost.append</a:t>
-            </a:r>
-            <a:r>
-              <a:rPr lang="en-US" sz="1600" dirty="0">
-                <a:solidFill>
-                  <a:srgbClr val="000000"/>
-                </a:solidFill>
-                <a:latin typeface="Fira Code" panose="020B0509050000020004" pitchFamily="49" charset="0"/>
-              </a:rPr>
-              <a:t>(</a:t>
-            </a:r>
-            <a:r>
-              <a:rPr lang="en-US" sz="1600" dirty="0" err="1">
-                <a:solidFill>
-                  <a:srgbClr val="000000"/>
-                </a:solidFill>
-                <a:latin typeface="Fira Code" panose="020B0509050000020004" pitchFamily="49" charset="0"/>
-              </a:rPr>
-              <a:t>cost_func</a:t>
-            </a:r>
-            <a:r>
-              <a:rPr lang="en-US" sz="1600" dirty="0">
-                <a:solidFill>
-                  <a:srgbClr val="000000"/>
-                </a:solidFill>
-                <a:latin typeface="Fira Code" panose="020B0509050000020004" pitchFamily="49" charset="0"/>
-              </a:rPr>
-              <a:t>(</a:t>
-            </a:r>
-            <a:r>
-              <a:rPr lang="en-US" sz="1600" dirty="0" err="1">
-                <a:solidFill>
-                  <a:srgbClr val="000000"/>
-                </a:solidFill>
-                <a:latin typeface="Fira Code" panose="020B0509050000020004" pitchFamily="49" charset="0"/>
-              </a:rPr>
-              <a:t>X,y,w</a:t>
-            </a:r>
-            <a:r>
-              <a:rPr lang="en-US" sz="1600" dirty="0">
-                <a:solidFill>
-                  <a:srgbClr val="000000"/>
-                </a:solidFill>
-                <a:latin typeface="Fira Code" panose="020B0509050000020004" pitchFamily="49" charset="0"/>
-              </a:rPr>
-              <a:t>))</a:t>
-            </a:r>
-          </a:p>
-          <a:p>
-            <a:r>
-              <a:rPr lang="en-US" sz="1600" dirty="0" err="1">
-                <a:solidFill>
-                  <a:srgbClr val="000000"/>
-                </a:solidFill>
-                <a:latin typeface="Fira Code" panose="020B0509050000020004" pitchFamily="49" charset="0"/>
-              </a:rPr>
-              <a:t>plt.scatter</a:t>
-            </a:r>
-            <a:r>
-              <a:rPr lang="en-US" sz="1600" dirty="0">
-                <a:solidFill>
-                  <a:srgbClr val="000000"/>
-                </a:solidFill>
-                <a:latin typeface="Fira Code" panose="020B0509050000020004" pitchFamily="49" charset="0"/>
-              </a:rPr>
-              <a:t>(w1, </a:t>
-            </a:r>
-            <a:r>
-              <a:rPr lang="en-US" sz="1600" dirty="0" err="1">
-                <a:solidFill>
-                  <a:srgbClr val="000000"/>
-                </a:solidFill>
-                <a:latin typeface="Fira Code" panose="020B0509050000020004" pitchFamily="49" charset="0"/>
-              </a:rPr>
-              <a:t>ycost</a:t>
-            </a:r>
-            <a:r>
-              <a:rPr lang="en-US" sz="1600" dirty="0">
-                <a:solidFill>
-                  <a:srgbClr val="000000"/>
-                </a:solidFill>
-                <a:latin typeface="Fira Code" panose="020B0509050000020004" pitchFamily="49" charset="0"/>
-              </a:rPr>
-              <a:t>)</a:t>
-            </a:r>
-          </a:p>
-          <a:p>
-            <a:pPr algn="ctr">
-              <a:lnSpc>
-                <a:spcPct val="90000"/>
-              </a:lnSpc>
-            </a:pPr>
             <a:endParaRPr lang="en-US" dirty="0"/>
           </a:p>
         </p:txBody>
@@ -9881,714 +10435,6 @@
             <a:extLst>
               <a:ext uri="{FF2B5EF4-FFF2-40B4-BE49-F238E27FC236}">
                 <a16:creationId xmlns:a16="http://schemas.microsoft.com/office/drawing/2014/main" id="{E6999B26-58A0-8846-85E3-D202D344A5E8}"/>
-              </a:ext>
-            </a:extLst>
-          </p:cNvPr>
-          <p:cNvPicPr>
-            <a:picLocks noChangeAspect="1"/>
-          </p:cNvPicPr>
-          <p:nvPr/>
-        </p:nvPicPr>
-        <p:blipFill>
-          <a:blip r:embed="rId3">
-            <a:extLst>
-              <a:ext uri="{28A0092B-C50C-407E-A947-70E740481C1C}">
-                <a14:useLocalDpi xmlns:a14="http://schemas.microsoft.com/office/drawing/2010/main" val="0"/>
-              </a:ext>
-            </a:extLst>
-          </a:blip>
-          <a:stretch>
-            <a:fillRect/>
-          </a:stretch>
-        </p:blipFill>
-        <p:spPr>
-          <a:xfrm>
-            <a:off x="344288" y="2277747"/>
-            <a:ext cx="5091454" cy="3766424"/>
-          </a:xfrm>
-          <a:prstGeom prst="rect">
-            <a:avLst/>
-          </a:prstGeom>
-        </p:spPr>
-      </p:pic>
-    </p:spTree>
-    <p:extLst>
-      <p:ext uri="{BB962C8B-B14F-4D97-AF65-F5344CB8AC3E}">
-        <p14:creationId xmlns:p14="http://schemas.microsoft.com/office/powerpoint/2010/main" val="784509922"/>
-      </p:ext>
-    </p:extLst>
-  </p:cSld>
-  <p:clrMapOvr>
-    <a:masterClrMapping/>
-  </p:clrMapOvr>
-</p:sld>
-</file>
-
-<file path=ppt/slides/slide9.xml><?xml version="1.0" encoding="utf-8"?>
-<p:sld xmlns:a="http://schemas.openxmlformats.org/drawingml/2006/main" xmlns:r="http://schemas.openxmlformats.org/officeDocument/2006/relationships" xmlns:p="http://schemas.openxmlformats.org/presentationml/2006/main">
-  <p:cSld>
-    <p:spTree>
-      <p:nvGrpSpPr>
-        <p:cNvPr id="1" name=""/>
-        <p:cNvGrpSpPr/>
-        <p:nvPr/>
-      </p:nvGrpSpPr>
-      <p:grpSpPr>
-        <a:xfrm>
-          <a:off x="0" y="0"/>
-          <a:ext cx="0" cy="0"/>
-          <a:chOff x="0" y="0"/>
-          <a:chExt cx="0" cy="0"/>
-        </a:xfrm>
-      </p:grpSpPr>
-      <p:sp>
-        <p:nvSpPr>
-          <p:cNvPr id="2" name="Title 1">
-            <a:extLst>
-              <a:ext uri="{FF2B5EF4-FFF2-40B4-BE49-F238E27FC236}">
-                <a16:creationId xmlns:a16="http://schemas.microsoft.com/office/drawing/2014/main" id="{F3D800DB-7733-094E-A207-47AAEE413124}"/>
-              </a:ext>
-            </a:extLst>
-          </p:cNvPr>
-          <p:cNvSpPr>
-            <a:spLocks noGrp="1"/>
-          </p:cNvSpPr>
-          <p:nvPr>
-            <p:ph type="title"/>
-          </p:nvPr>
-        </p:nvSpPr>
-        <p:spPr>
-          <a:xfrm>
-            <a:off x="344288" y="320040"/>
-            <a:ext cx="11422261" cy="511166"/>
-          </a:xfrm>
-        </p:spPr>
-        <p:txBody>
-          <a:bodyPr/>
-          <a:lstStyle/>
-          <a:p>
-            <a:r>
-              <a:rPr lang="en-US" dirty="0"/>
-              <a:t>Cost function (learn from model)</a:t>
-            </a:r>
-          </a:p>
-        </p:txBody>
-      </p:sp>
-      <p:sp>
-        <p:nvSpPr>
-          <p:cNvPr id="5" name="TextBox 4">
-            <a:extLst>
-              <a:ext uri="{FF2B5EF4-FFF2-40B4-BE49-F238E27FC236}">
-                <a16:creationId xmlns:a16="http://schemas.microsoft.com/office/drawing/2014/main" id="{A72B827F-AF8E-8244-AC41-4CC631599584}"/>
-              </a:ext>
-            </a:extLst>
-          </p:cNvPr>
-          <p:cNvSpPr txBox="1"/>
-          <p:nvPr/>
-        </p:nvSpPr>
-        <p:spPr>
-          <a:xfrm>
-            <a:off x="5633142" y="902332"/>
-            <a:ext cx="6133407" cy="1938992"/>
-          </a:xfrm>
-          <a:prstGeom prst="rect">
-            <a:avLst/>
-          </a:prstGeom>
-        </p:spPr>
-        <p:style>
-          <a:lnRef idx="1">
-            <a:schemeClr val="accent2"/>
-          </a:lnRef>
-          <a:fillRef idx="2">
-            <a:schemeClr val="accent2"/>
-          </a:fillRef>
-          <a:effectRef idx="1">
-            <a:schemeClr val="accent2"/>
-          </a:effectRef>
-          <a:fontRef idx="minor">
-            <a:schemeClr val="dk1"/>
-          </a:fontRef>
-        </p:style>
-        <p:txBody>
-          <a:bodyPr wrap="square" rtlCol="0">
-            <a:spAutoFit/>
-          </a:bodyPr>
-          <a:lstStyle/>
-          <a:p>
-            <a:r>
-              <a:rPr lang="en-US" sz="1500" dirty="0">
-                <a:solidFill>
-                  <a:srgbClr val="0000FF"/>
-                </a:solidFill>
-                <a:latin typeface="Fira Code" panose="020B0509050000020004" pitchFamily="49" charset="0"/>
-              </a:rPr>
-              <a:t>from</a:t>
-            </a:r>
-            <a:r>
-              <a:rPr lang="en-US" sz="1500" dirty="0">
-                <a:solidFill>
-                  <a:srgbClr val="000000"/>
-                </a:solidFill>
-                <a:latin typeface="Fira Code" panose="020B0509050000020004" pitchFamily="49" charset="0"/>
-              </a:rPr>
-              <a:t> </a:t>
-            </a:r>
-            <a:r>
-              <a:rPr lang="en-US" sz="1500" dirty="0" err="1">
-                <a:solidFill>
-                  <a:srgbClr val="000000"/>
-                </a:solidFill>
-                <a:latin typeface="Fira Code" panose="020B0509050000020004" pitchFamily="49" charset="0"/>
-              </a:rPr>
-              <a:t>sklearn.linear_model</a:t>
-            </a:r>
-            <a:r>
-              <a:rPr lang="en-US" sz="1500" dirty="0">
-                <a:solidFill>
-                  <a:srgbClr val="000000"/>
-                </a:solidFill>
-                <a:latin typeface="Fira Code" panose="020B0509050000020004" pitchFamily="49" charset="0"/>
-              </a:rPr>
-              <a:t> </a:t>
-            </a:r>
-            <a:r>
-              <a:rPr lang="en-US" sz="1500" dirty="0">
-                <a:solidFill>
-                  <a:srgbClr val="0000FF"/>
-                </a:solidFill>
-                <a:latin typeface="Fira Code" panose="020B0509050000020004" pitchFamily="49" charset="0"/>
-              </a:rPr>
-              <a:t>import</a:t>
-            </a:r>
-            <a:r>
-              <a:rPr lang="en-US" sz="1500" dirty="0">
-                <a:solidFill>
-                  <a:srgbClr val="000000"/>
-                </a:solidFill>
-                <a:latin typeface="Fira Code" panose="020B0509050000020004" pitchFamily="49" charset="0"/>
-              </a:rPr>
-              <a:t> </a:t>
-            </a:r>
-            <a:r>
-              <a:rPr lang="en-US" sz="1500" dirty="0" err="1">
-                <a:solidFill>
-                  <a:srgbClr val="000000"/>
-                </a:solidFill>
-                <a:latin typeface="Fira Code" panose="020B0509050000020004" pitchFamily="49" charset="0"/>
-              </a:rPr>
-              <a:t>LinearRegression</a:t>
-            </a:r>
-            <a:endParaRPr lang="en-US" sz="1500" dirty="0">
-              <a:solidFill>
-                <a:srgbClr val="000000"/>
-              </a:solidFill>
-              <a:latin typeface="Fira Code" panose="020B0509050000020004" pitchFamily="49" charset="0"/>
-            </a:endParaRPr>
-          </a:p>
-          <a:p>
-            <a:r>
-              <a:rPr lang="en-US" sz="1500" dirty="0">
-                <a:solidFill>
-                  <a:srgbClr val="000000"/>
-                </a:solidFill>
-                <a:latin typeface="Fira Code" panose="020B0509050000020004" pitchFamily="49" charset="0"/>
-              </a:rPr>
-              <a:t>model = </a:t>
-            </a:r>
-            <a:r>
-              <a:rPr lang="en-US" sz="1500" dirty="0" err="1">
-                <a:solidFill>
-                  <a:srgbClr val="000000"/>
-                </a:solidFill>
-                <a:latin typeface="Fira Code" panose="020B0509050000020004" pitchFamily="49" charset="0"/>
-              </a:rPr>
-              <a:t>LinearRegression</a:t>
-            </a:r>
-            <a:r>
-              <a:rPr lang="en-US" sz="1500" dirty="0">
-                <a:solidFill>
-                  <a:srgbClr val="000000"/>
-                </a:solidFill>
-                <a:latin typeface="Fira Code" panose="020B0509050000020004" pitchFamily="49" charset="0"/>
-              </a:rPr>
-              <a:t>()</a:t>
-            </a:r>
-          </a:p>
-          <a:p>
-            <a:r>
-              <a:rPr lang="en-US" sz="1500" dirty="0" err="1">
-                <a:solidFill>
-                  <a:srgbClr val="000000"/>
-                </a:solidFill>
-                <a:latin typeface="Fira Code" panose="020B0509050000020004" pitchFamily="49" charset="0"/>
-              </a:rPr>
-              <a:t>model.fit</a:t>
-            </a:r>
-            <a:r>
-              <a:rPr lang="en-US" sz="1500" dirty="0">
-                <a:solidFill>
-                  <a:srgbClr val="000000"/>
-                </a:solidFill>
-                <a:latin typeface="Fira Code" panose="020B0509050000020004" pitchFamily="49" charset="0"/>
-              </a:rPr>
-              <a:t>(X[:,</a:t>
-            </a:r>
-            <a:r>
-              <a:rPr lang="en-US" sz="1500" dirty="0">
-                <a:solidFill>
-                  <a:srgbClr val="0000FF"/>
-                </a:solidFill>
-                <a:latin typeface="Fira Code" panose="020B0509050000020004" pitchFamily="49" charset="0"/>
-              </a:rPr>
-              <a:t>None</a:t>
-            </a:r>
-            <a:r>
-              <a:rPr lang="en-US" sz="1500" dirty="0">
-                <a:solidFill>
-                  <a:srgbClr val="000000"/>
-                </a:solidFill>
-                <a:latin typeface="Fira Code" panose="020B0509050000020004" pitchFamily="49" charset="0"/>
-              </a:rPr>
-              <a:t>],y)</a:t>
-            </a:r>
-          </a:p>
-          <a:p>
-            <a:r>
-              <a:rPr lang="en-US" sz="1500" dirty="0" err="1">
-                <a:solidFill>
-                  <a:srgbClr val="000000"/>
-                </a:solidFill>
-                <a:latin typeface="Fira Code" panose="020B0509050000020004" pitchFamily="49" charset="0"/>
-              </a:rPr>
-              <a:t>model.coef</a:t>
-            </a:r>
-            <a:r>
-              <a:rPr lang="en-US" sz="1500" dirty="0">
-                <a:solidFill>
-                  <a:srgbClr val="000000"/>
-                </a:solidFill>
-                <a:latin typeface="Fira Code" panose="020B0509050000020004" pitchFamily="49" charset="0"/>
-              </a:rPr>
-              <a:t>_</a:t>
-            </a:r>
-          </a:p>
-          <a:p>
-            <a:r>
-              <a:rPr lang="en-US" sz="1500" dirty="0" err="1">
-                <a:solidFill>
-                  <a:srgbClr val="000000"/>
-                </a:solidFill>
-                <a:latin typeface="Fira Code" panose="020B0509050000020004" pitchFamily="49" charset="0"/>
-              </a:rPr>
-              <a:t>model.intercept</a:t>
-            </a:r>
-            <a:r>
-              <a:rPr lang="en-US" sz="1500" dirty="0">
-                <a:solidFill>
-                  <a:srgbClr val="000000"/>
-                </a:solidFill>
-                <a:latin typeface="Fira Code" panose="020B0509050000020004" pitchFamily="49" charset="0"/>
-              </a:rPr>
-              <a:t>_</a:t>
-            </a:r>
-          </a:p>
-          <a:p>
-            <a:br>
-              <a:rPr lang="en-US" sz="1500" dirty="0">
-                <a:solidFill>
-                  <a:srgbClr val="000000"/>
-                </a:solidFill>
-                <a:latin typeface="Fira Code" panose="020B0509050000020004" pitchFamily="49" charset="0"/>
-              </a:rPr>
-            </a:br>
-            <a:r>
-              <a:rPr lang="en-US" sz="1500" dirty="0">
-                <a:solidFill>
-                  <a:srgbClr val="000000"/>
-                </a:solidFill>
-                <a:latin typeface="Fira Code" panose="020B0509050000020004" pitchFamily="49" charset="0"/>
-              </a:rPr>
-              <a:t>array([</a:t>
-            </a:r>
-            <a:r>
-              <a:rPr lang="en-US" sz="1500" dirty="0">
-                <a:solidFill>
-                  <a:srgbClr val="09885A"/>
-                </a:solidFill>
-                <a:latin typeface="Fira Code" panose="020B0509050000020004" pitchFamily="49" charset="0"/>
-              </a:rPr>
-              <a:t>2.05441762</a:t>
-            </a:r>
-            <a:r>
-              <a:rPr lang="en-US" sz="1500" dirty="0">
-                <a:solidFill>
-                  <a:srgbClr val="000000"/>
-                </a:solidFill>
-                <a:latin typeface="Fira Code" panose="020B0509050000020004" pitchFamily="49" charset="0"/>
-              </a:rPr>
-              <a:t>])</a:t>
-            </a:r>
-          </a:p>
-          <a:p>
-            <a:r>
-              <a:rPr lang="en-US" sz="1500" dirty="0">
-                <a:solidFill>
-                  <a:srgbClr val="09885A"/>
-                </a:solidFill>
-                <a:latin typeface="Fira Code" panose="020B0509050000020004" pitchFamily="49" charset="0"/>
-              </a:rPr>
-              <a:t>0.00284582889358731</a:t>
-            </a:r>
-          </a:p>
-        </p:txBody>
-      </p:sp>
-      <p:sp>
-        <p:nvSpPr>
-          <p:cNvPr id="7" name="TextBox 6">
-            <a:extLst>
-              <a:ext uri="{FF2B5EF4-FFF2-40B4-BE49-F238E27FC236}">
-                <a16:creationId xmlns:a16="http://schemas.microsoft.com/office/drawing/2014/main" id="{F9E47733-A1F7-A344-8898-EB40051E9AEA}"/>
-              </a:ext>
-            </a:extLst>
-          </p:cNvPr>
-          <p:cNvSpPr txBox="1"/>
-          <p:nvPr/>
-        </p:nvSpPr>
-        <p:spPr>
-          <a:xfrm>
-            <a:off x="5633142" y="3429000"/>
-            <a:ext cx="6133407" cy="1938992"/>
-          </a:xfrm>
-          <a:prstGeom prst="rect">
-            <a:avLst/>
-          </a:prstGeom>
-        </p:spPr>
-        <p:style>
-          <a:lnRef idx="1">
-            <a:schemeClr val="accent2"/>
-          </a:lnRef>
-          <a:fillRef idx="2">
-            <a:schemeClr val="accent2"/>
-          </a:fillRef>
-          <a:effectRef idx="1">
-            <a:schemeClr val="accent2"/>
-          </a:effectRef>
-          <a:fontRef idx="minor">
-            <a:schemeClr val="dk1"/>
-          </a:fontRef>
-        </p:style>
-        <p:txBody>
-          <a:bodyPr wrap="square" rtlCol="0">
-            <a:spAutoFit/>
-          </a:bodyPr>
-          <a:lstStyle/>
-          <a:p>
-            <a:r>
-              <a:rPr lang="en-US" sz="1500" dirty="0">
-                <a:solidFill>
-                  <a:srgbClr val="000000"/>
-                </a:solidFill>
-                <a:latin typeface="Fira Code" panose="020B0509050000020004" pitchFamily="49" charset="0"/>
-              </a:rPr>
-              <a:t>w1 = </a:t>
-            </a:r>
-            <a:r>
-              <a:rPr lang="en-US" sz="1500" dirty="0" err="1">
-                <a:solidFill>
-                  <a:srgbClr val="000000"/>
-                </a:solidFill>
-                <a:latin typeface="Fira Code" panose="020B0509050000020004" pitchFamily="49" charset="0"/>
-              </a:rPr>
-              <a:t>np.linspace</a:t>
-            </a:r>
-            <a:r>
-              <a:rPr lang="en-US" sz="1500" dirty="0">
-                <a:solidFill>
-                  <a:srgbClr val="000000"/>
-                </a:solidFill>
-                <a:latin typeface="Fira Code" panose="020B0509050000020004" pitchFamily="49" charset="0"/>
-              </a:rPr>
-              <a:t>(model.coef_-</a:t>
-            </a:r>
-            <a:r>
-              <a:rPr lang="en-US" sz="1500" dirty="0">
-                <a:solidFill>
-                  <a:srgbClr val="09885A"/>
-                </a:solidFill>
-                <a:latin typeface="Fira Code" panose="020B0509050000020004" pitchFamily="49" charset="0"/>
-              </a:rPr>
-              <a:t>2</a:t>
-            </a:r>
-            <a:r>
-              <a:rPr lang="en-US" sz="1500" dirty="0">
-                <a:solidFill>
-                  <a:srgbClr val="000000"/>
-                </a:solidFill>
-                <a:latin typeface="Fira Code" panose="020B0509050000020004" pitchFamily="49" charset="0"/>
-              </a:rPr>
-              <a:t>, model.coef_+</a:t>
-            </a:r>
-            <a:r>
-              <a:rPr lang="en-US" sz="1500" dirty="0">
-                <a:solidFill>
-                  <a:srgbClr val="09885A"/>
-                </a:solidFill>
-                <a:latin typeface="Fira Code" panose="020B0509050000020004" pitchFamily="49" charset="0"/>
-              </a:rPr>
-              <a:t>2</a:t>
-            </a:r>
-            <a:r>
-              <a:rPr lang="en-US" sz="1500" dirty="0">
-                <a:solidFill>
-                  <a:srgbClr val="000000"/>
-                </a:solidFill>
-                <a:latin typeface="Fira Code" panose="020B0509050000020004" pitchFamily="49" charset="0"/>
-              </a:rPr>
-              <a:t>, </a:t>
-            </a:r>
-            <a:r>
-              <a:rPr lang="en-US" sz="1500" dirty="0">
-                <a:solidFill>
-                  <a:srgbClr val="09885A"/>
-                </a:solidFill>
-                <a:latin typeface="Fira Code" panose="020B0509050000020004" pitchFamily="49" charset="0"/>
-              </a:rPr>
-              <a:t>50</a:t>
-            </a:r>
-            <a:r>
-              <a:rPr lang="en-US" sz="1500" dirty="0">
-                <a:solidFill>
-                  <a:srgbClr val="000000"/>
-                </a:solidFill>
-                <a:latin typeface="Fira Code" panose="020B0509050000020004" pitchFamily="49" charset="0"/>
-              </a:rPr>
-              <a:t>)</a:t>
-            </a:r>
-          </a:p>
-          <a:p>
-            <a:r>
-              <a:rPr lang="en-US" sz="1500" dirty="0" err="1">
-                <a:solidFill>
-                  <a:srgbClr val="000000"/>
-                </a:solidFill>
-                <a:latin typeface="Fira Code" panose="020B0509050000020004" pitchFamily="49" charset="0"/>
-              </a:rPr>
-              <a:t>ycost</a:t>
-            </a:r>
-            <a:r>
-              <a:rPr lang="en-US" sz="1500" dirty="0">
-                <a:solidFill>
-                  <a:srgbClr val="000000"/>
-                </a:solidFill>
-                <a:latin typeface="Fira Code" panose="020B0509050000020004" pitchFamily="49" charset="0"/>
-              </a:rPr>
-              <a:t> = []</a:t>
-            </a:r>
-          </a:p>
-          <a:p>
-            <a:r>
-              <a:rPr lang="en-US" sz="1500" dirty="0">
-                <a:solidFill>
-                  <a:srgbClr val="0000FF"/>
-                </a:solidFill>
-                <a:latin typeface="Fira Code" panose="020B0509050000020004" pitchFamily="49" charset="0"/>
-              </a:rPr>
-              <a:t>for</a:t>
-            </a:r>
-            <a:r>
-              <a:rPr lang="en-US" sz="1500" dirty="0">
-                <a:solidFill>
-                  <a:srgbClr val="000000"/>
-                </a:solidFill>
-                <a:latin typeface="Fira Code" panose="020B0509050000020004" pitchFamily="49" charset="0"/>
-              </a:rPr>
-              <a:t> w </a:t>
-            </a:r>
-            <a:r>
-              <a:rPr lang="en-US" sz="1500" dirty="0">
-                <a:solidFill>
-                  <a:srgbClr val="0000FF"/>
-                </a:solidFill>
-                <a:latin typeface="Fira Code" panose="020B0509050000020004" pitchFamily="49" charset="0"/>
-              </a:rPr>
-              <a:t>in</a:t>
-            </a:r>
-            <a:r>
-              <a:rPr lang="en-US" sz="1500" dirty="0">
-                <a:solidFill>
-                  <a:srgbClr val="000000"/>
-                </a:solidFill>
-                <a:latin typeface="Fira Code" panose="020B0509050000020004" pitchFamily="49" charset="0"/>
-              </a:rPr>
-              <a:t> w1:</a:t>
-            </a:r>
-          </a:p>
-          <a:p>
-            <a:r>
-              <a:rPr lang="en-US" sz="1500" dirty="0" err="1">
-                <a:solidFill>
-                  <a:srgbClr val="000000"/>
-                </a:solidFill>
-                <a:latin typeface="Fira Code" panose="020B0509050000020004" pitchFamily="49" charset="0"/>
-              </a:rPr>
-              <a:t>ycost.append</a:t>
-            </a:r>
-            <a:r>
-              <a:rPr lang="en-US" sz="1500" dirty="0">
-                <a:solidFill>
-                  <a:srgbClr val="000000"/>
-                </a:solidFill>
-                <a:latin typeface="Fira Code" panose="020B0509050000020004" pitchFamily="49" charset="0"/>
-              </a:rPr>
-              <a:t>(</a:t>
-            </a:r>
-            <a:r>
-              <a:rPr lang="en-US" sz="1500" dirty="0" err="1">
-                <a:solidFill>
-                  <a:srgbClr val="000000"/>
-                </a:solidFill>
-                <a:latin typeface="Fira Code" panose="020B0509050000020004" pitchFamily="49" charset="0"/>
-              </a:rPr>
-              <a:t>cost_func</a:t>
-            </a:r>
-            <a:r>
-              <a:rPr lang="en-US" sz="1500" dirty="0">
-                <a:solidFill>
-                  <a:srgbClr val="000000"/>
-                </a:solidFill>
-                <a:latin typeface="Fira Code" panose="020B0509050000020004" pitchFamily="49" charset="0"/>
-              </a:rPr>
-              <a:t>(</a:t>
-            </a:r>
-            <a:r>
-              <a:rPr lang="en-US" sz="1500" dirty="0" err="1">
-                <a:solidFill>
-                  <a:srgbClr val="000000"/>
-                </a:solidFill>
-                <a:latin typeface="Fira Code" panose="020B0509050000020004" pitchFamily="49" charset="0"/>
-              </a:rPr>
-              <a:t>X,y,w</a:t>
-            </a:r>
-            <a:r>
-              <a:rPr lang="en-US" sz="1500" dirty="0">
-                <a:solidFill>
-                  <a:srgbClr val="000000"/>
-                </a:solidFill>
-                <a:latin typeface="Fira Code" panose="020B0509050000020004" pitchFamily="49" charset="0"/>
-              </a:rPr>
-              <a:t>))</a:t>
-            </a:r>
-          </a:p>
-          <a:p>
-            <a:br>
-              <a:rPr lang="en-US" sz="1500" dirty="0">
-                <a:solidFill>
-                  <a:srgbClr val="000000"/>
-                </a:solidFill>
-                <a:latin typeface="Fira Code" panose="020B0509050000020004" pitchFamily="49" charset="0"/>
-              </a:rPr>
-            </a:br>
-            <a:r>
-              <a:rPr lang="en-US" sz="1500" dirty="0" err="1">
-                <a:solidFill>
-                  <a:srgbClr val="000000"/>
-                </a:solidFill>
-                <a:latin typeface="Fira Code" panose="020B0509050000020004" pitchFamily="49" charset="0"/>
-              </a:rPr>
-              <a:t>plt.scatter</a:t>
-            </a:r>
-            <a:r>
-              <a:rPr lang="en-US" sz="1500" dirty="0">
-                <a:solidFill>
-                  <a:srgbClr val="000000"/>
-                </a:solidFill>
-                <a:latin typeface="Fira Code" panose="020B0509050000020004" pitchFamily="49" charset="0"/>
-              </a:rPr>
-              <a:t>(w1, </a:t>
-            </a:r>
-            <a:r>
-              <a:rPr lang="en-US" sz="1500" dirty="0" err="1">
-                <a:solidFill>
-                  <a:srgbClr val="000000"/>
-                </a:solidFill>
-                <a:latin typeface="Fira Code" panose="020B0509050000020004" pitchFamily="49" charset="0"/>
-              </a:rPr>
-              <a:t>ycost</a:t>
-            </a:r>
-            <a:r>
-              <a:rPr lang="en-US" sz="1500" dirty="0">
-                <a:solidFill>
-                  <a:srgbClr val="000000"/>
-                </a:solidFill>
-                <a:latin typeface="Fira Code" panose="020B0509050000020004" pitchFamily="49" charset="0"/>
-              </a:rPr>
-              <a:t>)</a:t>
-            </a:r>
-          </a:p>
-          <a:p>
-            <a:r>
-              <a:rPr lang="en-US" sz="1500" dirty="0" err="1">
-                <a:solidFill>
-                  <a:srgbClr val="000000"/>
-                </a:solidFill>
-                <a:latin typeface="Fira Code" panose="020B0509050000020004" pitchFamily="49" charset="0"/>
-              </a:rPr>
-              <a:t>plt.title</a:t>
-            </a:r>
-            <a:r>
-              <a:rPr lang="en-US" sz="1500" dirty="0">
-                <a:solidFill>
-                  <a:srgbClr val="000000"/>
-                </a:solidFill>
-                <a:latin typeface="Fira Code" panose="020B0509050000020004" pitchFamily="49" charset="0"/>
-              </a:rPr>
-              <a:t>(</a:t>
-            </a:r>
-            <a:r>
-              <a:rPr lang="en-US" sz="1500" dirty="0">
-                <a:solidFill>
-                  <a:srgbClr val="A31515"/>
-                </a:solidFill>
-                <a:latin typeface="Fira Code" panose="020B0509050000020004" pitchFamily="49" charset="0"/>
-              </a:rPr>
-              <a:t>"Cost function estimated (</a:t>
-            </a:r>
-            <a:r>
-              <a:rPr lang="en-US" sz="1500" dirty="0" err="1">
-                <a:solidFill>
-                  <a:srgbClr val="A31515"/>
-                </a:solidFill>
-                <a:latin typeface="Fira Code" panose="020B0509050000020004" pitchFamily="49" charset="0"/>
-              </a:rPr>
-              <a:t>model.coef</a:t>
-            </a:r>
-            <a:r>
-              <a:rPr lang="en-US" sz="1500" dirty="0">
-                <a:solidFill>
-                  <a:srgbClr val="A31515"/>
-                </a:solidFill>
-                <a:latin typeface="Fira Code" panose="020B0509050000020004" pitchFamily="49" charset="0"/>
-              </a:rPr>
-              <a:t>_ = 2.05441762)"</a:t>
-            </a:r>
-            <a:r>
-              <a:rPr lang="en-US" sz="1500" dirty="0">
-                <a:solidFill>
-                  <a:srgbClr val="000000"/>
-                </a:solidFill>
-                <a:latin typeface="Fira Code" panose="020B0509050000020004" pitchFamily="49" charset="0"/>
-              </a:rPr>
-              <a:t>)</a:t>
-            </a:r>
-          </a:p>
-        </p:txBody>
-      </p:sp>
-      <p:pic>
-        <p:nvPicPr>
-          <p:cNvPr id="9" name="Picture 8">
-            <a:extLst>
-              <a:ext uri="{FF2B5EF4-FFF2-40B4-BE49-F238E27FC236}">
-                <a16:creationId xmlns:a16="http://schemas.microsoft.com/office/drawing/2014/main" id="{1D9F3761-04BA-0D4B-BF7A-DBA2D081FEED}"/>
               </a:ext>
             </a:extLst>
           </p:cNvPr>
@@ -10611,8 +10457,38 @@
         </p:blipFill>
         <p:spPr>
           <a:xfrm>
-            <a:off x="344288" y="1473207"/>
-            <a:ext cx="5132605" cy="3911585"/>
+            <a:off x="344288" y="2277747"/>
+            <a:ext cx="5091454" cy="3766424"/>
+          </a:xfrm>
+          <a:prstGeom prst="rect">
+            <a:avLst/>
+          </a:prstGeom>
+        </p:spPr>
+      </p:pic>
+      <p:pic>
+        <p:nvPicPr>
+          <p:cNvPr id="3" name="Picture 2">
+            <a:extLst>
+              <a:ext uri="{FF2B5EF4-FFF2-40B4-BE49-F238E27FC236}">
+                <a16:creationId xmlns:a16="http://schemas.microsoft.com/office/drawing/2014/main" id="{A5D54C3B-DD6E-EA4A-A0DD-ACB9CFD9712C}"/>
+              </a:ext>
+            </a:extLst>
+          </p:cNvPr>
+          <p:cNvPicPr>
+            <a:picLocks noChangeAspect="1"/>
+          </p:cNvPicPr>
+          <p:nvPr/>
+        </p:nvPicPr>
+        <p:blipFill>
+          <a:blip r:embed="rId3"/>
+          <a:stretch>
+            <a:fillRect/>
+          </a:stretch>
+        </p:blipFill>
+        <p:spPr>
+          <a:xfrm>
+            <a:off x="460844" y="1037896"/>
+            <a:ext cx="5135884" cy="853246"/>
           </a:xfrm>
           <a:prstGeom prst="rect">
             <a:avLst/>
@@ -10622,7 +10498,7 @@
     </p:spTree>
     <p:extLst>
       <p:ext uri="{BB962C8B-B14F-4D97-AF65-F5344CB8AC3E}">
-        <p14:creationId xmlns:p14="http://schemas.microsoft.com/office/powerpoint/2010/main" val="243502687"/>
+        <p14:creationId xmlns:p14="http://schemas.microsoft.com/office/powerpoint/2010/main" val="784509922"/>
       </p:ext>
     </p:extLst>
   </p:cSld>
@@ -11865,12 +11741,9 @@
 </file>
 
 <file path=customXml/item1.xml><?xml version="1.0" encoding="utf-8"?>
-<?mso-contentType ?>
-<FormTemplates xmlns="http://schemas.microsoft.com/sharepoint/v3/contenttype/forms">
-  <Display>DocumentLibraryForm</Display>
-  <Edit>DocumentLibraryForm</Edit>
-  <New>DocumentLibraryForm</New>
-</FormTemplates>
+<p:properties xmlns:p="http://schemas.microsoft.com/office/2006/metadata/properties" xmlns:xsi="http://www.w3.org/2001/XMLSchema-instance" xmlns:pc="http://schemas.microsoft.com/office/infopath/2007/PartnerControls">
+  <documentManagement/>
+</p:properties>
 </file>
 
 <file path=customXml/item2.xml><?xml version="1.0" encoding="utf-8"?>
@@ -11988,15 +11861,25 @@
 </file>
 
 <file path=customXml/item3.xml><?xml version="1.0" encoding="utf-8"?>
-<p:properties xmlns:p="http://schemas.microsoft.com/office/2006/metadata/properties" xmlns:xsi="http://www.w3.org/2001/XMLSchema-instance" xmlns:pc="http://schemas.microsoft.com/office/infopath/2007/PartnerControls">
-  <documentManagement/>
-</p:properties>
+<?mso-contentType ?>
+<FormTemplates xmlns="http://schemas.microsoft.com/sharepoint/v3/contenttype/forms">
+  <Display>DocumentLibraryForm</Display>
+  <Edit>DocumentLibraryForm</Edit>
+  <New>DocumentLibraryForm</New>
+</FormTemplates>
 </file>
 
 <file path=customXml/itemProps1.xml><?xml version="1.0" encoding="utf-8"?>
-<ds:datastoreItem xmlns:ds="http://schemas.openxmlformats.org/officeDocument/2006/customXml" ds:itemID="{19E20559-B232-4371-8690-E3D8007EDB82}">
+<ds:datastoreItem xmlns:ds="http://schemas.openxmlformats.org/officeDocument/2006/customXml" ds:itemID="{A50EC660-24D0-43A0-AE5E-E274115E726B}">
   <ds:schemaRefs>
-    <ds:schemaRef ds:uri="http://schemas.microsoft.com/sharepoint/v3/contenttype/forms"/>
+    <ds:schemaRef ds:uri="http://schemas.microsoft.com/office/2006/documentManagement/types"/>
+    <ds:schemaRef ds:uri="http://www.w3.org/XML/1998/namespace"/>
+    <ds:schemaRef ds:uri="http://schemas.microsoft.com/office/infopath/2007/PartnerControls"/>
+    <ds:schemaRef ds:uri="http://purl.org/dc/elements/1.1/"/>
+    <ds:schemaRef ds:uri="http://purl.org/dc/dcmitype/"/>
+    <ds:schemaRef ds:uri="http://purl.org/dc/terms/"/>
+    <ds:schemaRef ds:uri="http://schemas.openxmlformats.org/package/2006/metadata/core-properties"/>
+    <ds:schemaRef ds:uri="http://schemas.microsoft.com/office/2006/metadata/properties"/>
   </ds:schemaRefs>
 </ds:datastoreItem>
 </file>
@@ -12018,16 +11901,9 @@
 </file>
 
 <file path=customXml/itemProps3.xml><?xml version="1.0" encoding="utf-8"?>
-<ds:datastoreItem xmlns:ds="http://schemas.openxmlformats.org/officeDocument/2006/customXml" ds:itemID="{A50EC660-24D0-43A0-AE5E-E274115E726B}">
+<ds:datastoreItem xmlns:ds="http://schemas.openxmlformats.org/officeDocument/2006/customXml" ds:itemID="{19E20559-B232-4371-8690-E3D8007EDB82}">
   <ds:schemaRefs>
-    <ds:schemaRef ds:uri="http://schemas.microsoft.com/office/2006/documentManagement/types"/>
-    <ds:schemaRef ds:uri="http://www.w3.org/XML/1998/namespace"/>
-    <ds:schemaRef ds:uri="http://schemas.microsoft.com/office/infopath/2007/PartnerControls"/>
-    <ds:schemaRef ds:uri="http://purl.org/dc/elements/1.1/"/>
-    <ds:schemaRef ds:uri="http://purl.org/dc/dcmitype/"/>
-    <ds:schemaRef ds:uri="http://purl.org/dc/terms/"/>
-    <ds:schemaRef ds:uri="http://schemas.openxmlformats.org/package/2006/metadata/core-properties"/>
-    <ds:schemaRef ds:uri="http://schemas.microsoft.com/office/2006/metadata/properties"/>
+    <ds:schemaRef ds:uri="http://schemas.microsoft.com/sharepoint/v3/contenttype/forms"/>
   </ds:schemaRefs>
 </ds:datastoreItem>
 </file>